--- a/finalproject.pptx
+++ b/finalproject.pptx
@@ -18590,8 +18590,8 @@
         </p:nvSpPr>
         <p:spPr>
           <a:xfrm>
-            <a:off x="11015682" y="4434867"/>
-            <a:ext cx="5519718" cy="36000"/>
+            <a:off x="11034732" y="4437705"/>
+            <a:ext cx="5500668" cy="45719"/>
           </a:xfrm>
           <a:custGeom>
             <a:avLst/>

--- a/finalproject.pptx
+++ b/finalproject.pptx
@@ -16,22 +16,20 @@
     <p:sldId id="281" r:id="rId10"/>
     <p:sldId id="276" r:id="rId11"/>
     <p:sldId id="303" r:id="rId12"/>
-    <p:sldId id="304" r:id="rId13"/>
-    <p:sldId id="275" r:id="rId14"/>
-    <p:sldId id="292" r:id="rId15"/>
-    <p:sldId id="293" r:id="rId16"/>
-    <p:sldId id="297" r:id="rId17"/>
-    <p:sldId id="298" r:id="rId18"/>
-    <p:sldId id="299" r:id="rId19"/>
-    <p:sldId id="294" r:id="rId20"/>
-    <p:sldId id="300" r:id="rId21"/>
-    <p:sldId id="301" r:id="rId22"/>
-    <p:sldId id="302" r:id="rId23"/>
-    <p:sldId id="295" r:id="rId24"/>
-    <p:sldId id="296" r:id="rId25"/>
-    <p:sldId id="306" r:id="rId26"/>
-    <p:sldId id="307" r:id="rId27"/>
-    <p:sldId id="308" r:id="rId28"/>
+    <p:sldId id="275" r:id="rId13"/>
+    <p:sldId id="309" r:id="rId14"/>
+    <p:sldId id="293" r:id="rId15"/>
+    <p:sldId id="297" r:id="rId16"/>
+    <p:sldId id="298" r:id="rId17"/>
+    <p:sldId id="299" r:id="rId18"/>
+    <p:sldId id="294" r:id="rId19"/>
+    <p:sldId id="300" r:id="rId20"/>
+    <p:sldId id="301" r:id="rId21"/>
+    <p:sldId id="295" r:id="rId22"/>
+    <p:sldId id="296" r:id="rId23"/>
+    <p:sldId id="306" r:id="rId24"/>
+    <p:sldId id="307" r:id="rId25"/>
+    <p:sldId id="308" r:id="rId26"/>
   </p:sldIdLst>
   <p:sldSz cx="18288000" cy="10287000"/>
   <p:notesSz cx="18288000" cy="10287000"/>
@@ -5242,47 +5240,72 @@
             <a:pPr algn="ctr"/>
             <a:r>
               <a:rPr lang="en-US" altLang="ko-KR" sz="4500" dirty="0"/>
-              <a:t>Login</a:t>
+              <a:t>Login/Sign Up</a:t>
             </a:r>
             <a:endParaRPr lang="ko-KR" altLang="en-US" sz="4500" dirty="0"/>
           </a:p>
         </p:txBody>
       </p:sp>
-      <p:sp>
-        <p:nvSpPr>
-          <p:cNvPr id="11" name="TextBox 10">
+      <p:pic>
+        <p:nvPicPr>
+          <p:cNvPr id="4" name="그림 3">
             <a:extLst>
               <a:ext uri="{FF2B5EF4-FFF2-40B4-BE49-F238E27FC236}">
-                <a16:creationId xmlns:a16="http://schemas.microsoft.com/office/drawing/2014/main" id="{38F8F201-A5C1-7B1B-0316-E8CCA5AABA2D}"/>
+                <a16:creationId xmlns:a16="http://schemas.microsoft.com/office/drawing/2014/main" id="{A4A22D1B-DFAB-E802-5C92-AE5262C36049}"/>
               </a:ext>
             </a:extLst>
           </p:cNvPr>
-          <p:cNvSpPr txBox="1"/>
+          <p:cNvPicPr>
+            <a:picLocks noChangeAspect="1"/>
+          </p:cNvPicPr>
           <p:nvPr/>
-        </p:nvSpPr>
+        </p:nvPicPr>
+        <p:blipFill>
+          <a:blip r:embed="rId2"/>
+          <a:stretch>
+            <a:fillRect/>
+          </a:stretch>
+        </p:blipFill>
         <p:spPr>
           <a:xfrm>
-            <a:off x="1447800" y="952500"/>
-            <a:ext cx="3352800" cy="861774"/>
+            <a:off x="1905000" y="3390900"/>
+            <a:ext cx="5657850" cy="3019425"/>
           </a:xfrm>
           <a:prstGeom prst="rect">
             <a:avLst/>
           </a:prstGeom>
-          <a:noFill/>
         </p:spPr>
-        <p:txBody>
-          <a:bodyPr wrap="square" rtlCol="0">
-            <a:spAutoFit/>
-          </a:bodyPr>
-          <a:lstStyle/>
-          <a:p>
-            <a:r>
-              <a:rPr lang="ko-KR" altLang="en-US" sz="5000" dirty="0"/>
-              <a:t>로그인</a:t>
-            </a:r>
-          </a:p>
-        </p:txBody>
-      </p:sp>
+      </p:pic>
+      <p:pic>
+        <p:nvPicPr>
+          <p:cNvPr id="6" name="그림 5">
+            <a:extLst>
+              <a:ext uri="{FF2B5EF4-FFF2-40B4-BE49-F238E27FC236}">
+                <a16:creationId xmlns:a16="http://schemas.microsoft.com/office/drawing/2014/main" id="{60992A29-C65A-5343-E0FF-1F83918523D3}"/>
+              </a:ext>
+            </a:extLst>
+          </p:cNvPr>
+          <p:cNvPicPr>
+            <a:picLocks noChangeAspect="1"/>
+          </p:cNvPicPr>
+          <p:nvPr/>
+        </p:nvPicPr>
+        <p:blipFill>
+          <a:blip r:embed="rId3"/>
+          <a:stretch>
+            <a:fillRect/>
+          </a:stretch>
+        </p:blipFill>
+        <p:spPr>
+          <a:xfrm>
+            <a:off x="9906000" y="2990850"/>
+            <a:ext cx="5305425" cy="4305300"/>
+          </a:xfrm>
+          <a:prstGeom prst="rect">
+            <a:avLst/>
+          </a:prstGeom>
+        </p:spPr>
+      </p:pic>
     </p:spTree>
     <p:extLst>
       <p:ext uri="{BB962C8B-B14F-4D97-AF65-F5344CB8AC3E}">
@@ -6088,51 +6111,84 @@
             <a:pPr algn="ctr"/>
             <a:r>
               <a:rPr lang="en-US" altLang="ko-KR" sz="4500" dirty="0"/>
-              <a:t>Sign Up</a:t>
+              <a:t>Movie</a:t>
+            </a:r>
+            <a:r>
+              <a:rPr lang="ko-KR" altLang="en-US" sz="4500" dirty="0"/>
+              <a:t> </a:t>
+            </a:r>
+            <a:r>
+              <a:rPr lang="en-US" altLang="ko-KR" sz="4500" dirty="0"/>
+              <a:t>List </a:t>
             </a:r>
             <a:endParaRPr lang="ko-KR" altLang="en-US" sz="4500" dirty="0"/>
           </a:p>
         </p:txBody>
       </p:sp>
-      <p:sp>
-        <p:nvSpPr>
-          <p:cNvPr id="11" name="TextBox 10">
+      <p:pic>
+        <p:nvPicPr>
+          <p:cNvPr id="4" name="그림 3">
             <a:extLst>
               <a:ext uri="{FF2B5EF4-FFF2-40B4-BE49-F238E27FC236}">
-                <a16:creationId xmlns:a16="http://schemas.microsoft.com/office/drawing/2014/main" id="{38F8F201-A5C1-7B1B-0316-E8CCA5AABA2D}"/>
+                <a16:creationId xmlns:a16="http://schemas.microsoft.com/office/drawing/2014/main" id="{C1E0182E-4252-49A1-0669-3ABCAB0A9529}"/>
               </a:ext>
             </a:extLst>
           </p:cNvPr>
-          <p:cNvSpPr txBox="1"/>
+          <p:cNvPicPr>
+            <a:picLocks noChangeAspect="1"/>
+          </p:cNvPicPr>
           <p:nvPr/>
-        </p:nvSpPr>
+        </p:nvPicPr>
+        <p:blipFill>
+          <a:blip r:embed="rId2"/>
+          <a:stretch>
+            <a:fillRect/>
+          </a:stretch>
+        </p:blipFill>
         <p:spPr>
           <a:xfrm>
-            <a:off x="1066800" y="1116631"/>
-            <a:ext cx="3352800" cy="861774"/>
+            <a:off x="1254917" y="1116631"/>
+            <a:ext cx="15916275" cy="4943589"/>
           </a:xfrm>
           <a:prstGeom prst="rect">
             <a:avLst/>
           </a:prstGeom>
-          <a:noFill/>
         </p:spPr>
-        <p:txBody>
-          <a:bodyPr wrap="square" rtlCol="0">
-            <a:spAutoFit/>
-          </a:bodyPr>
-          <a:lstStyle/>
-          <a:p>
-            <a:r>
-              <a:rPr lang="ko-KR" altLang="en-US" sz="5000" dirty="0"/>
-              <a:t>회원가입</a:t>
-            </a:r>
-          </a:p>
-        </p:txBody>
-      </p:sp>
+      </p:pic>
+      <p:pic>
+        <p:nvPicPr>
+          <p:cNvPr id="6" name="그림 5">
+            <a:extLst>
+              <a:ext uri="{FF2B5EF4-FFF2-40B4-BE49-F238E27FC236}">
+                <a16:creationId xmlns:a16="http://schemas.microsoft.com/office/drawing/2014/main" id="{C6013B57-CA11-8CE9-9B76-D857F5BC21AD}"/>
+              </a:ext>
+            </a:extLst>
+          </p:cNvPr>
+          <p:cNvPicPr>
+            <a:picLocks noChangeAspect="1"/>
+          </p:cNvPicPr>
+          <p:nvPr/>
+        </p:nvPicPr>
+        <p:blipFill>
+          <a:blip r:embed="rId3"/>
+          <a:stretch>
+            <a:fillRect/>
+          </a:stretch>
+        </p:blipFill>
+        <p:spPr>
+          <a:xfrm>
+            <a:off x="1254917" y="5403993"/>
+            <a:ext cx="15916275" cy="5136880"/>
+          </a:xfrm>
+          <a:prstGeom prst="rect">
+            <a:avLst/>
+          </a:prstGeom>
+        </p:spPr>
+      </p:pic>
     </p:spTree>
     <p:extLst>
       <p:ext uri="{BB962C8B-B14F-4D97-AF65-F5344CB8AC3E}">
-        <p14:creationId xmlns:p14="http://schemas.microsoft.com/office/powerpoint/2010/main" val="3826813654"/>
+        <p14:creationId xmlns:p14="http://schemas.microsoft.com/office/powerpoint/2010/main" val="3497721465"/>
       </p:ext>
     </p:extLst>
   </p:cSld>
@@ -6167,7 +6223,7 @@
         </p:nvSpPr>
         <p:spPr>
           <a:xfrm>
-            <a:off x="0" y="3"/>
+            <a:off x="0" y="-31569"/>
             <a:ext cx="18288000" cy="10287000"/>
           </a:xfrm>
           <a:custGeom>
@@ -6942,51 +6998,106 @@
             </a:r>
             <a:r>
               <a:rPr lang="en-US" altLang="ko-KR" sz="4500" dirty="0"/>
-              <a:t>List </a:t>
+              <a:t>Detail </a:t>
             </a:r>
             <a:endParaRPr lang="ko-KR" altLang="en-US" sz="4500" dirty="0"/>
           </a:p>
         </p:txBody>
       </p:sp>
-      <p:sp>
-        <p:nvSpPr>
-          <p:cNvPr id="11" name="TextBox 10">
+      <p:pic>
+        <p:nvPicPr>
+          <p:cNvPr id="5" name="그림 4">
             <a:extLst>
               <a:ext uri="{FF2B5EF4-FFF2-40B4-BE49-F238E27FC236}">
-                <a16:creationId xmlns:a16="http://schemas.microsoft.com/office/drawing/2014/main" id="{38F8F201-A5C1-7B1B-0316-E8CCA5AABA2D}"/>
+                <a16:creationId xmlns:a16="http://schemas.microsoft.com/office/drawing/2014/main" id="{25F7CE3A-B30D-C386-1F54-151EAB6DE095}"/>
               </a:ext>
             </a:extLst>
           </p:cNvPr>
-          <p:cNvSpPr txBox="1"/>
+          <p:cNvPicPr>
+            <a:picLocks noChangeAspect="1"/>
+          </p:cNvPicPr>
           <p:nvPr/>
-        </p:nvSpPr>
+        </p:nvPicPr>
+        <p:blipFill>
+          <a:blip r:embed="rId2"/>
+          <a:stretch>
+            <a:fillRect/>
+          </a:stretch>
+        </p:blipFill>
         <p:spPr>
           <a:xfrm>
-            <a:off x="1447800" y="952500"/>
-            <a:ext cx="3352800" cy="1631216"/>
+            <a:off x="114580" y="571500"/>
+            <a:ext cx="9255518" cy="8159931"/>
           </a:xfrm>
           <a:prstGeom prst="rect">
             <a:avLst/>
           </a:prstGeom>
-          <a:noFill/>
         </p:spPr>
-        <p:txBody>
-          <a:bodyPr wrap="square" rtlCol="0">
-            <a:spAutoFit/>
-          </a:bodyPr>
-          <a:lstStyle/>
-          <a:p>
-            <a:r>
-              <a:rPr lang="ko-KR" altLang="en-US" sz="5000" dirty="0"/>
-              <a:t>영화 리스트</a:t>
-            </a:r>
-          </a:p>
-        </p:txBody>
-      </p:sp>
+      </p:pic>
+      <p:pic>
+        <p:nvPicPr>
+          <p:cNvPr id="12" name="그림 11">
+            <a:extLst>
+              <a:ext uri="{FF2B5EF4-FFF2-40B4-BE49-F238E27FC236}">
+                <a16:creationId xmlns:a16="http://schemas.microsoft.com/office/drawing/2014/main" id="{496BD573-CFD6-2A2D-2160-3C7C2AA9C94F}"/>
+              </a:ext>
+            </a:extLst>
+          </p:cNvPr>
+          <p:cNvPicPr>
+            <a:picLocks noChangeAspect="1"/>
+          </p:cNvPicPr>
+          <p:nvPr/>
+        </p:nvPicPr>
+        <p:blipFill>
+          <a:blip r:embed="rId3"/>
+          <a:stretch>
+            <a:fillRect/>
+          </a:stretch>
+        </p:blipFill>
+        <p:spPr>
+          <a:xfrm>
+            <a:off x="9427046" y="2562984"/>
+            <a:ext cx="8803322" cy="2733675"/>
+          </a:xfrm>
+          <a:prstGeom prst="rect">
+            <a:avLst/>
+          </a:prstGeom>
+        </p:spPr>
+      </p:pic>
+      <p:pic>
+        <p:nvPicPr>
+          <p:cNvPr id="14" name="그림 13">
+            <a:extLst>
+              <a:ext uri="{FF2B5EF4-FFF2-40B4-BE49-F238E27FC236}">
+                <a16:creationId xmlns:a16="http://schemas.microsoft.com/office/drawing/2014/main" id="{4241DFF0-F4D6-2A58-6C68-C4849BFDE3E5}"/>
+              </a:ext>
+            </a:extLst>
+          </p:cNvPr>
+          <p:cNvPicPr>
+            <a:picLocks noChangeAspect="1"/>
+          </p:cNvPicPr>
+          <p:nvPr/>
+        </p:nvPicPr>
+        <p:blipFill>
+          <a:blip r:embed="rId4"/>
+          <a:stretch>
+            <a:fillRect/>
+          </a:stretch>
+        </p:blipFill>
+        <p:spPr>
+          <a:xfrm>
+            <a:off x="9440451" y="6664701"/>
+            <a:ext cx="8803322" cy="1990725"/>
+          </a:xfrm>
+          <a:prstGeom prst="rect">
+            <a:avLst/>
+          </a:prstGeom>
+        </p:spPr>
+      </p:pic>
     </p:spTree>
     <p:extLst>
       <p:ext uri="{BB962C8B-B14F-4D97-AF65-F5344CB8AC3E}">
-        <p14:creationId xmlns:p14="http://schemas.microsoft.com/office/powerpoint/2010/main" val="3497721465"/>
+        <p14:creationId xmlns:p14="http://schemas.microsoft.com/office/powerpoint/2010/main" val="1166111834"/>
       </p:ext>
     </p:extLst>
   </p:cSld>
@@ -7788,66 +7899,46 @@
             <a:pPr algn="ctr"/>
             <a:r>
               <a:rPr lang="en-US" altLang="ko-KR" sz="4500" dirty="0"/>
-              <a:t>Movie</a:t>
-            </a:r>
-            <a:r>
-              <a:rPr lang="ko-KR" altLang="en-US" sz="4500" dirty="0"/>
-              <a:t> </a:t>
-            </a:r>
-            <a:r>
-              <a:rPr lang="en-US" altLang="ko-KR" sz="4500" dirty="0"/>
-              <a:t>Detail </a:t>
+              <a:t>Community</a:t>
             </a:r>
             <a:endParaRPr lang="ko-KR" altLang="en-US" sz="4500" dirty="0"/>
           </a:p>
         </p:txBody>
       </p:sp>
-      <p:sp>
-        <p:nvSpPr>
-          <p:cNvPr id="3" name="TextBox 2">
+      <p:pic>
+        <p:nvPicPr>
+          <p:cNvPr id="13" name="그림 12">
             <a:extLst>
               <a:ext uri="{FF2B5EF4-FFF2-40B4-BE49-F238E27FC236}">
-                <a16:creationId xmlns:a16="http://schemas.microsoft.com/office/drawing/2014/main" id="{610AD305-1154-870D-37D8-ED831F238EC2}"/>
+                <a16:creationId xmlns:a16="http://schemas.microsoft.com/office/drawing/2014/main" id="{6E6BCFC5-3153-0B01-2F99-EB5C37FCDC9B}"/>
               </a:ext>
             </a:extLst>
           </p:cNvPr>
-          <p:cNvSpPr txBox="1"/>
+          <p:cNvPicPr>
+            <a:picLocks noChangeAspect="1"/>
+          </p:cNvPicPr>
           <p:nvPr/>
-        </p:nvSpPr>
+        </p:nvPicPr>
+        <p:blipFill>
+          <a:blip r:embed="rId2"/>
+          <a:stretch>
+            <a:fillRect/>
+          </a:stretch>
+        </p:blipFill>
         <p:spPr>
           <a:xfrm>
-            <a:off x="1447800" y="952500"/>
-            <a:ext cx="3352800" cy="1631216"/>
+            <a:off x="370895" y="2857500"/>
+            <a:ext cx="17487900" cy="4829175"/>
           </a:xfrm>
           <a:prstGeom prst="rect">
             <a:avLst/>
           </a:prstGeom>
-          <a:noFill/>
         </p:spPr>
-        <p:txBody>
-          <a:bodyPr wrap="square" rtlCol="0">
-            <a:spAutoFit/>
-          </a:bodyPr>
-          <a:lstStyle/>
-          <a:p>
-            <a:r>
-              <a:rPr lang="ko-KR" altLang="en-US" sz="5000" dirty="0"/>
-              <a:t>영화 </a:t>
-            </a:r>
-            <a:endParaRPr lang="en-US" altLang="ko-KR" sz="5000" dirty="0"/>
-          </a:p>
-          <a:p>
-            <a:r>
-              <a:rPr lang="ko-KR" altLang="en-US" sz="5000" dirty="0"/>
-              <a:t>디테일</a:t>
-            </a:r>
-          </a:p>
-        </p:txBody>
-      </p:sp>
+      </p:pic>
     </p:spTree>
     <p:extLst>
       <p:ext uri="{BB962C8B-B14F-4D97-AF65-F5344CB8AC3E}">
-        <p14:creationId xmlns:p14="http://schemas.microsoft.com/office/powerpoint/2010/main" val="1415232556"/>
+        <p14:creationId xmlns:p14="http://schemas.microsoft.com/office/powerpoint/2010/main" val="1855477977"/>
       </p:ext>
     </p:extLst>
   </p:cSld>
@@ -8655,46 +8746,40 @@
           </a:p>
         </p:txBody>
       </p:sp>
-      <p:sp>
-        <p:nvSpPr>
-          <p:cNvPr id="3" name="TextBox 2">
+      <p:pic>
+        <p:nvPicPr>
+          <p:cNvPr id="5" name="그림 4">
             <a:extLst>
               <a:ext uri="{FF2B5EF4-FFF2-40B4-BE49-F238E27FC236}">
-                <a16:creationId xmlns:a16="http://schemas.microsoft.com/office/drawing/2014/main" id="{45B30F03-C8CA-26EE-556E-399D683E71C9}"/>
+                <a16:creationId xmlns:a16="http://schemas.microsoft.com/office/drawing/2014/main" id="{C3D0A814-C3DC-B4E5-6358-75CE84439D34}"/>
               </a:ext>
             </a:extLst>
           </p:cNvPr>
-          <p:cNvSpPr txBox="1"/>
+          <p:cNvPicPr>
+            <a:picLocks noChangeAspect="1"/>
+          </p:cNvPicPr>
           <p:nvPr/>
-        </p:nvSpPr>
+        </p:nvPicPr>
+        <p:blipFill>
+          <a:blip r:embed="rId2"/>
+          <a:stretch>
+            <a:fillRect/>
+          </a:stretch>
+        </p:blipFill>
         <p:spPr>
           <a:xfrm>
-            <a:off x="1447800" y="952500"/>
-            <a:ext cx="3352800" cy="1631216"/>
+            <a:off x="2286000" y="1943100"/>
+            <a:ext cx="10496550" cy="6848475"/>
           </a:xfrm>
           <a:prstGeom prst="rect">
             <a:avLst/>
           </a:prstGeom>
-          <a:noFill/>
         </p:spPr>
-        <p:txBody>
-          <a:bodyPr wrap="square" rtlCol="0">
-            <a:spAutoFit/>
-          </a:bodyPr>
-          <a:lstStyle/>
-          <a:p>
-            <a:r>
-              <a:rPr lang="ko-KR" altLang="en-US" sz="5000" dirty="0"/>
-              <a:t>자유게시판 리스트</a:t>
-            </a:r>
-            <a:endParaRPr lang="en-US" altLang="ko-KR" sz="5000" dirty="0"/>
-          </a:p>
-        </p:txBody>
-      </p:sp>
+      </p:pic>
     </p:spTree>
     <p:extLst>
       <p:ext uri="{BB962C8B-B14F-4D97-AF65-F5344CB8AC3E}">
-        <p14:creationId xmlns:p14="http://schemas.microsoft.com/office/powerpoint/2010/main" val="1855477977"/>
+        <p14:creationId xmlns:p14="http://schemas.microsoft.com/office/powerpoint/2010/main" val="3669118339"/>
       </p:ext>
     </p:extLst>
   </p:cSld>
@@ -9502,45 +9587,40 @@
           </a:p>
         </p:txBody>
       </p:sp>
-      <p:sp>
-        <p:nvSpPr>
-          <p:cNvPr id="3" name="TextBox 2">
+      <p:pic>
+        <p:nvPicPr>
+          <p:cNvPr id="5" name="그림 4">
             <a:extLst>
               <a:ext uri="{FF2B5EF4-FFF2-40B4-BE49-F238E27FC236}">
-                <a16:creationId xmlns:a16="http://schemas.microsoft.com/office/drawing/2014/main" id="{D5228D1D-8A02-230C-67B8-CC03AA4A31DE}"/>
+                <a16:creationId xmlns:a16="http://schemas.microsoft.com/office/drawing/2014/main" id="{3572FE06-B006-2A83-7125-AD66DB7EBC0F}"/>
               </a:ext>
             </a:extLst>
           </p:cNvPr>
-          <p:cNvSpPr txBox="1"/>
+          <p:cNvPicPr>
+            <a:picLocks noChangeAspect="1"/>
+          </p:cNvPicPr>
           <p:nvPr/>
-        </p:nvSpPr>
+        </p:nvPicPr>
+        <p:blipFill>
+          <a:blip r:embed="rId2"/>
+          <a:stretch>
+            <a:fillRect/>
+          </a:stretch>
+        </p:blipFill>
         <p:spPr>
           <a:xfrm>
-            <a:off x="1447800" y="952500"/>
-            <a:ext cx="3352800" cy="1631216"/>
+            <a:off x="2133600" y="495300"/>
+            <a:ext cx="9048750" cy="8963025"/>
           </a:xfrm>
           <a:prstGeom prst="rect">
             <a:avLst/>
           </a:prstGeom>
-          <a:noFill/>
         </p:spPr>
-        <p:txBody>
-          <a:bodyPr wrap="square" rtlCol="0">
-            <a:spAutoFit/>
-          </a:bodyPr>
-          <a:lstStyle/>
-          <a:p>
-            <a:r>
-              <a:rPr lang="ko-KR" altLang="en-US" sz="5000" dirty="0"/>
-              <a:t>자유게시판 디테일</a:t>
-            </a:r>
-          </a:p>
-        </p:txBody>
-      </p:sp>
+      </p:pic>
     </p:spTree>
     <p:extLst>
       <p:ext uri="{BB962C8B-B14F-4D97-AF65-F5344CB8AC3E}">
-        <p14:creationId xmlns:p14="http://schemas.microsoft.com/office/powerpoint/2010/main" val="3669118339"/>
+        <p14:creationId xmlns:p14="http://schemas.microsoft.com/office/powerpoint/2010/main" val="3848522533"/>
       </p:ext>
     </p:extLst>
   </p:cSld>
@@ -10348,46 +10428,40 @@
           </a:p>
         </p:txBody>
       </p:sp>
-      <p:sp>
-        <p:nvSpPr>
-          <p:cNvPr id="3" name="TextBox 2">
+      <p:pic>
+        <p:nvPicPr>
+          <p:cNvPr id="5" name="그림 4">
             <a:extLst>
               <a:ext uri="{FF2B5EF4-FFF2-40B4-BE49-F238E27FC236}">
-                <a16:creationId xmlns:a16="http://schemas.microsoft.com/office/drawing/2014/main" id="{880B3941-C90D-9ADA-0DB3-5935A8069FAF}"/>
+                <a16:creationId xmlns:a16="http://schemas.microsoft.com/office/drawing/2014/main" id="{85E69229-44DF-733A-A2A7-F793EA4E7248}"/>
               </a:ext>
             </a:extLst>
           </p:cNvPr>
-          <p:cNvSpPr txBox="1"/>
+          <p:cNvPicPr>
+            <a:picLocks noChangeAspect="1"/>
+          </p:cNvPicPr>
           <p:nvPr/>
-        </p:nvSpPr>
+        </p:nvPicPr>
+        <p:blipFill>
+          <a:blip r:embed="rId2"/>
+          <a:stretch>
+            <a:fillRect/>
+          </a:stretch>
+        </p:blipFill>
         <p:spPr>
           <a:xfrm>
-            <a:off x="1447800" y="952500"/>
-            <a:ext cx="3352800" cy="1631216"/>
+            <a:off x="612842" y="2705100"/>
+            <a:ext cx="17062315" cy="3200400"/>
           </a:xfrm>
           <a:prstGeom prst="rect">
             <a:avLst/>
           </a:prstGeom>
-          <a:noFill/>
         </p:spPr>
-        <p:txBody>
-          <a:bodyPr wrap="square" rtlCol="0">
-            <a:spAutoFit/>
-          </a:bodyPr>
-          <a:lstStyle/>
-          <a:p>
-            <a:r>
-              <a:rPr lang="ko-KR" altLang="en-US" sz="5000" dirty="0"/>
-              <a:t>영화게시판 리스트</a:t>
-            </a:r>
-            <a:endParaRPr lang="en-US" altLang="ko-KR" sz="5000" dirty="0"/>
-          </a:p>
-        </p:txBody>
-      </p:sp>
+      </p:pic>
     </p:spTree>
     <p:extLst>
       <p:ext uri="{BB962C8B-B14F-4D97-AF65-F5344CB8AC3E}">
-        <p14:creationId xmlns:p14="http://schemas.microsoft.com/office/powerpoint/2010/main" val="3848522533"/>
+        <p14:creationId xmlns:p14="http://schemas.microsoft.com/office/powerpoint/2010/main" val="545871594"/>
       </p:ext>
     </p:extLst>
   </p:cSld>
@@ -11189,51 +11263,46 @@
             <a:pPr algn="ctr"/>
             <a:r>
               <a:rPr lang="en-US" altLang="ko-KR" sz="4500" dirty="0"/>
-              <a:t>Community</a:t>
+              <a:t>Entertain</a:t>
             </a:r>
             <a:endParaRPr lang="ko-KR" altLang="en-US" sz="4500" dirty="0"/>
           </a:p>
         </p:txBody>
       </p:sp>
-      <p:sp>
-        <p:nvSpPr>
-          <p:cNvPr id="3" name="TextBox 2">
+      <p:pic>
+        <p:nvPicPr>
+          <p:cNvPr id="5" name="그림 4">
             <a:extLst>
               <a:ext uri="{FF2B5EF4-FFF2-40B4-BE49-F238E27FC236}">
-                <a16:creationId xmlns:a16="http://schemas.microsoft.com/office/drawing/2014/main" id="{AAA59101-E8C8-79D9-EB8D-90AFC4B38821}"/>
+                <a16:creationId xmlns:a16="http://schemas.microsoft.com/office/drawing/2014/main" id="{F7E8CD4C-8A57-CA19-8812-BDE42D9DD955}"/>
               </a:ext>
             </a:extLst>
           </p:cNvPr>
-          <p:cNvSpPr txBox="1"/>
+          <p:cNvPicPr>
+            <a:picLocks noChangeAspect="1"/>
+          </p:cNvPicPr>
           <p:nvPr/>
-        </p:nvSpPr>
+        </p:nvPicPr>
+        <p:blipFill>
+          <a:blip r:embed="rId2"/>
+          <a:stretch>
+            <a:fillRect/>
+          </a:stretch>
+        </p:blipFill>
         <p:spPr>
           <a:xfrm>
-            <a:off x="1447800" y="952500"/>
-            <a:ext cx="3352800" cy="2400657"/>
+            <a:off x="2590800" y="1228725"/>
+            <a:ext cx="9305925" cy="7829550"/>
           </a:xfrm>
           <a:prstGeom prst="rect">
             <a:avLst/>
           </a:prstGeom>
-          <a:noFill/>
         </p:spPr>
-        <p:txBody>
-          <a:bodyPr wrap="square" rtlCol="0">
-            <a:spAutoFit/>
-          </a:bodyPr>
-          <a:lstStyle/>
-          <a:p>
-            <a:r>
-              <a:rPr lang="ko-KR" altLang="en-US" sz="5000" dirty="0"/>
-              <a:t>영화 게시판 디테일</a:t>
-            </a:r>
-          </a:p>
-        </p:txBody>
-      </p:sp>
+      </p:pic>
     </p:spTree>
     <p:extLst>
       <p:ext uri="{BB962C8B-B14F-4D97-AF65-F5344CB8AC3E}">
-        <p14:creationId xmlns:p14="http://schemas.microsoft.com/office/powerpoint/2010/main" val="545871594"/>
+        <p14:creationId xmlns:p14="http://schemas.microsoft.com/office/powerpoint/2010/main" val="959796284"/>
       </p:ext>
     </p:extLst>
   </p:cSld>
@@ -12041,46 +12110,40 @@
           </a:p>
         </p:txBody>
       </p:sp>
-      <p:sp>
-        <p:nvSpPr>
-          <p:cNvPr id="3" name="TextBox 2">
+      <p:pic>
+        <p:nvPicPr>
+          <p:cNvPr id="5" name="그림 4">
             <a:extLst>
               <a:ext uri="{FF2B5EF4-FFF2-40B4-BE49-F238E27FC236}">
-                <a16:creationId xmlns:a16="http://schemas.microsoft.com/office/drawing/2014/main" id="{FA0AA540-311D-B4AB-2E47-96D88595CF7F}"/>
+                <a16:creationId xmlns:a16="http://schemas.microsoft.com/office/drawing/2014/main" id="{ACCA57B0-F16B-A84E-7C4B-33697DA9066F}"/>
               </a:ext>
             </a:extLst>
           </p:cNvPr>
-          <p:cNvSpPr txBox="1"/>
+          <p:cNvPicPr>
+            <a:picLocks noChangeAspect="1"/>
+          </p:cNvPicPr>
           <p:nvPr/>
-        </p:nvSpPr>
+        </p:nvPicPr>
+        <p:blipFill>
+          <a:blip r:embed="rId2"/>
+          <a:stretch>
+            <a:fillRect/>
+          </a:stretch>
+        </p:blipFill>
         <p:spPr>
           <a:xfrm>
-            <a:off x="1447800" y="952500"/>
-            <a:ext cx="3352800" cy="1631216"/>
+            <a:off x="4524375" y="2932211"/>
+            <a:ext cx="9239250" cy="4905375"/>
           </a:xfrm>
           <a:prstGeom prst="rect">
             <a:avLst/>
           </a:prstGeom>
-          <a:noFill/>
         </p:spPr>
-        <p:txBody>
-          <a:bodyPr wrap="square" rtlCol="0">
-            <a:spAutoFit/>
-          </a:bodyPr>
-          <a:lstStyle/>
-          <a:p>
-            <a:r>
-              <a:rPr lang="ko-KR" altLang="en-US" sz="5000" dirty="0" err="1"/>
-              <a:t>엔터테이먼트</a:t>
-            </a:r>
-            <a:endParaRPr lang="ko-KR" altLang="en-US" sz="5000" dirty="0"/>
-          </a:p>
-        </p:txBody>
-      </p:sp>
+      </p:pic>
     </p:spTree>
     <p:extLst>
       <p:ext uri="{BB962C8B-B14F-4D97-AF65-F5344CB8AC3E}">
-        <p14:creationId xmlns:p14="http://schemas.microsoft.com/office/powerpoint/2010/main" val="959796284"/>
+        <p14:creationId xmlns:p14="http://schemas.microsoft.com/office/powerpoint/2010/main" val="1532290605"/>
       </p:ext>
     </p:extLst>
   </p:cSld>
@@ -19588,46 +19651,40 @@
           </a:p>
         </p:txBody>
       </p:sp>
-      <p:sp>
-        <p:nvSpPr>
-          <p:cNvPr id="3" name="TextBox 2">
+      <p:pic>
+        <p:nvPicPr>
+          <p:cNvPr id="5" name="그림 4">
             <a:extLst>
               <a:ext uri="{FF2B5EF4-FFF2-40B4-BE49-F238E27FC236}">
-                <a16:creationId xmlns:a16="http://schemas.microsoft.com/office/drawing/2014/main" id="{FA0AA540-311D-B4AB-2E47-96D88595CF7F}"/>
+                <a16:creationId xmlns:a16="http://schemas.microsoft.com/office/drawing/2014/main" id="{83097EDB-00F5-01EC-BEE6-CF06098333D5}"/>
               </a:ext>
             </a:extLst>
           </p:cNvPr>
-          <p:cNvSpPr txBox="1"/>
+          <p:cNvPicPr>
+            <a:picLocks noChangeAspect="1"/>
+          </p:cNvPicPr>
           <p:nvPr/>
-        </p:nvSpPr>
+        </p:nvPicPr>
+        <p:blipFill>
+          <a:blip r:embed="rId2"/>
+          <a:stretch>
+            <a:fillRect/>
+          </a:stretch>
+        </p:blipFill>
         <p:spPr>
           <a:xfrm>
-            <a:off x="1447800" y="952500"/>
-            <a:ext cx="3352800" cy="1631216"/>
+            <a:off x="3931443" y="1131718"/>
+            <a:ext cx="10425113" cy="8023564"/>
           </a:xfrm>
           <a:prstGeom prst="rect">
             <a:avLst/>
           </a:prstGeom>
-          <a:noFill/>
         </p:spPr>
-        <p:txBody>
-          <a:bodyPr wrap="square" rtlCol="0">
-            <a:spAutoFit/>
-          </a:bodyPr>
-          <a:lstStyle/>
-          <a:p>
-            <a:r>
-              <a:rPr lang="ko-KR" altLang="en-US" sz="5000" dirty="0" err="1"/>
-              <a:t>엔터테이먼트</a:t>
-            </a:r>
-            <a:endParaRPr lang="ko-KR" altLang="en-US" sz="5000" dirty="0"/>
-          </a:p>
-        </p:txBody>
-      </p:sp>
+      </p:pic>
     </p:spTree>
     <p:extLst>
       <p:ext uri="{BB962C8B-B14F-4D97-AF65-F5344CB8AC3E}">
-        <p14:creationId xmlns:p14="http://schemas.microsoft.com/office/powerpoint/2010/main" val="1532290605"/>
+        <p14:creationId xmlns:p14="http://schemas.microsoft.com/office/powerpoint/2010/main" val="347157611"/>
       </p:ext>
     </p:extLst>
   </p:cSld>
@@ -20429,52 +20486,46 @@
             <a:pPr algn="ctr"/>
             <a:r>
               <a:rPr lang="en-US" altLang="ko-KR" sz="4500" dirty="0"/>
-              <a:t>Entertain</a:t>
+              <a:t>Search</a:t>
             </a:r>
             <a:endParaRPr lang="ko-KR" altLang="en-US" sz="4500" dirty="0"/>
           </a:p>
         </p:txBody>
       </p:sp>
-      <p:sp>
-        <p:nvSpPr>
-          <p:cNvPr id="3" name="TextBox 2">
+      <p:pic>
+        <p:nvPicPr>
+          <p:cNvPr id="4" name="그림 3">
             <a:extLst>
               <a:ext uri="{FF2B5EF4-FFF2-40B4-BE49-F238E27FC236}">
-                <a16:creationId xmlns:a16="http://schemas.microsoft.com/office/drawing/2014/main" id="{FA0AA540-311D-B4AB-2E47-96D88595CF7F}"/>
+                <a16:creationId xmlns:a16="http://schemas.microsoft.com/office/drawing/2014/main" id="{8E0891F2-530C-731D-B49F-FB33165DAFC7}"/>
               </a:ext>
             </a:extLst>
           </p:cNvPr>
-          <p:cNvSpPr txBox="1"/>
+          <p:cNvPicPr>
+            <a:picLocks noChangeAspect="1"/>
+          </p:cNvPicPr>
           <p:nvPr/>
-        </p:nvSpPr>
+        </p:nvPicPr>
+        <p:blipFill>
+          <a:blip r:embed="rId2"/>
+          <a:stretch>
+            <a:fillRect/>
+          </a:stretch>
+        </p:blipFill>
         <p:spPr>
           <a:xfrm>
-            <a:off x="1447800" y="952500"/>
-            <a:ext cx="3352800" cy="1631216"/>
+            <a:off x="404812" y="2000250"/>
+            <a:ext cx="17478375" cy="6286500"/>
           </a:xfrm>
           <a:prstGeom prst="rect">
             <a:avLst/>
           </a:prstGeom>
-          <a:noFill/>
         </p:spPr>
-        <p:txBody>
-          <a:bodyPr wrap="square" rtlCol="0">
-            <a:spAutoFit/>
-          </a:bodyPr>
-          <a:lstStyle/>
-          <a:p>
-            <a:r>
-              <a:rPr lang="ko-KR" altLang="en-US" sz="5000" dirty="0" err="1"/>
-              <a:t>엔터테이먼트</a:t>
-            </a:r>
-            <a:endParaRPr lang="ko-KR" altLang="en-US" sz="5000" dirty="0"/>
-          </a:p>
-        </p:txBody>
-      </p:sp>
+      </p:pic>
     </p:spTree>
     <p:extLst>
       <p:ext uri="{BB962C8B-B14F-4D97-AF65-F5344CB8AC3E}">
-        <p14:creationId xmlns:p14="http://schemas.microsoft.com/office/powerpoint/2010/main" val="347157611"/>
+        <p14:creationId xmlns:p14="http://schemas.microsoft.com/office/powerpoint/2010/main" val="1513068440"/>
       </p:ext>
     </p:extLst>
   </p:cSld>
@@ -21276,1670 +21327,42 @@
             <a:pPr algn="ctr"/>
             <a:r>
               <a:rPr lang="en-US" altLang="ko-KR" sz="4500" dirty="0"/>
-              <a:t>Entertain</a:t>
+              <a:t>User page </a:t>
             </a:r>
             <a:endParaRPr lang="ko-KR" altLang="en-US" sz="4500" dirty="0"/>
           </a:p>
         </p:txBody>
       </p:sp>
-      <p:sp>
-        <p:nvSpPr>
-          <p:cNvPr id="3" name="TextBox 2">
+      <p:pic>
+        <p:nvPicPr>
+          <p:cNvPr id="4" name="그림 3">
             <a:extLst>
               <a:ext uri="{FF2B5EF4-FFF2-40B4-BE49-F238E27FC236}">
-                <a16:creationId xmlns:a16="http://schemas.microsoft.com/office/drawing/2014/main" id="{FA0AA540-311D-B4AB-2E47-96D88595CF7F}"/>
+                <a16:creationId xmlns:a16="http://schemas.microsoft.com/office/drawing/2014/main" id="{18613F90-2FA6-EBB2-0B45-8CE4D3669C75}"/>
               </a:ext>
             </a:extLst>
           </p:cNvPr>
-          <p:cNvSpPr txBox="1"/>
+          <p:cNvPicPr>
+            <a:picLocks noChangeAspect="1"/>
+          </p:cNvPicPr>
           <p:nvPr/>
-        </p:nvSpPr>
+        </p:nvPicPr>
+        <p:blipFill>
+          <a:blip r:embed="rId2"/>
+          <a:stretch>
+            <a:fillRect/>
+          </a:stretch>
+        </p:blipFill>
         <p:spPr>
           <a:xfrm>
-            <a:off x="1447800" y="952500"/>
-            <a:ext cx="3352800" cy="1631216"/>
+            <a:off x="385762" y="2290762"/>
+            <a:ext cx="17516475" cy="5705475"/>
           </a:xfrm>
           <a:prstGeom prst="rect">
             <a:avLst/>
           </a:prstGeom>
-          <a:noFill/>
         </p:spPr>
-        <p:txBody>
-          <a:bodyPr wrap="square" rtlCol="0">
-            <a:spAutoFit/>
-          </a:bodyPr>
-          <a:lstStyle/>
-          <a:p>
-            <a:r>
-              <a:rPr lang="ko-KR" altLang="en-US" sz="5000" dirty="0" err="1"/>
-              <a:t>엔터테이먼트</a:t>
-            </a:r>
-            <a:endParaRPr lang="ko-KR" altLang="en-US" sz="5000" dirty="0"/>
-          </a:p>
-        </p:txBody>
-      </p:sp>
-    </p:spTree>
-    <p:extLst>
-      <p:ext uri="{BB962C8B-B14F-4D97-AF65-F5344CB8AC3E}">
-        <p14:creationId xmlns:p14="http://schemas.microsoft.com/office/powerpoint/2010/main" val="1567923810"/>
-      </p:ext>
-    </p:extLst>
-  </p:cSld>
-  <p:clrMapOvr>
-    <a:masterClrMapping/>
-  </p:clrMapOvr>
-</p:sld>
-</file>
-
-<file path=ppt/slides/slide23.xml><?xml version="1.0" encoding="utf-8"?>
-<p:sld xmlns:a="http://schemas.openxmlformats.org/drawingml/2006/main" xmlns:r="http://schemas.openxmlformats.org/officeDocument/2006/relationships" xmlns:p="http://schemas.openxmlformats.org/presentationml/2006/main">
-  <p:cSld>
-    <p:spTree>
-      <p:nvGrpSpPr>
-        <p:cNvPr id="1" name=""/>
-        <p:cNvGrpSpPr/>
-        <p:nvPr/>
-      </p:nvGrpSpPr>
-      <p:grpSpPr>
-        <a:xfrm>
-          <a:off x="0" y="0"/>
-          <a:ext cx="0" cy="0"/>
-          <a:chOff x="0" y="0"/>
-          <a:chExt cx="0" cy="0"/>
-        </a:xfrm>
-      </p:grpSpPr>
-      <p:sp>
-        <p:nvSpPr>
-          <p:cNvPr id="2" name="object 2"/>
-          <p:cNvSpPr/>
-          <p:nvPr/>
-        </p:nvSpPr>
-        <p:spPr>
-          <a:xfrm>
-            <a:off x="0" y="3"/>
-            <a:ext cx="18288000" cy="10287000"/>
-          </a:xfrm>
-          <a:custGeom>
-            <a:avLst/>
-            <a:gdLst/>
-            <a:ahLst/>
-            <a:cxnLst/>
-            <a:rect l="l" t="t" r="r" b="b"/>
-            <a:pathLst>
-              <a:path w="18288000" h="10287000">
-                <a:moveTo>
-                  <a:pt x="18287998" y="10286999"/>
-                </a:moveTo>
-                <a:lnTo>
-                  <a:pt x="0" y="10286999"/>
-                </a:lnTo>
-                <a:lnTo>
-                  <a:pt x="0" y="0"/>
-                </a:lnTo>
-                <a:lnTo>
-                  <a:pt x="18287998" y="0"/>
-                </a:lnTo>
-                <a:lnTo>
-                  <a:pt x="18287998" y="10286999"/>
-                </a:lnTo>
-                <a:close/>
-              </a:path>
-            </a:pathLst>
-          </a:custGeom>
-          <a:solidFill>
-            <a:srgbClr val="B9BADD"/>
-          </a:solidFill>
-        </p:spPr>
-        <p:txBody>
-          <a:bodyPr wrap="square" lIns="0" tIns="0" rIns="0" bIns="0" rtlCol="0"/>
-          <a:lstStyle/>
-          <a:p>
-            <a:endParaRPr/>
-          </a:p>
-        </p:txBody>
-      </p:sp>
-      <p:grpSp>
-        <p:nvGrpSpPr>
-          <p:cNvPr id="8" name="object 17"/>
-          <p:cNvGrpSpPr/>
-          <p:nvPr/>
-        </p:nvGrpSpPr>
-        <p:grpSpPr>
-          <a:xfrm>
-            <a:off x="13106400" y="253873"/>
-            <a:ext cx="4800600" cy="941069"/>
-            <a:chOff x="8480175" y="1028701"/>
-            <a:chExt cx="2260600" cy="941069"/>
-          </a:xfrm>
-        </p:grpSpPr>
-        <p:sp>
-          <p:nvSpPr>
-            <p:cNvPr id="9" name="object 18"/>
-            <p:cNvSpPr/>
-            <p:nvPr/>
-          </p:nvSpPr>
-          <p:spPr>
-            <a:xfrm>
-              <a:off x="8486334" y="1034860"/>
-              <a:ext cx="2249170" cy="928369"/>
-            </a:xfrm>
-            <a:custGeom>
-              <a:avLst/>
-              <a:gdLst/>
-              <a:ahLst/>
-              <a:cxnLst/>
-              <a:rect l="l" t="t" r="r" b="b"/>
-              <a:pathLst>
-                <a:path w="2249170" h="928369">
-                  <a:moveTo>
-                    <a:pt x="1784761" y="928201"/>
-                  </a:moveTo>
-                  <a:lnTo>
-                    <a:pt x="464100" y="928201"/>
-                  </a:lnTo>
-                  <a:lnTo>
-                    <a:pt x="416643" y="925805"/>
-                  </a:lnTo>
-                  <a:lnTo>
-                    <a:pt x="370558" y="918771"/>
-                  </a:lnTo>
-                  <a:lnTo>
-                    <a:pt x="326079" y="907334"/>
-                  </a:lnTo>
-                  <a:lnTo>
-                    <a:pt x="283437" y="891726"/>
-                  </a:lnTo>
-                  <a:lnTo>
-                    <a:pt x="242868" y="872181"/>
-                  </a:lnTo>
-                  <a:lnTo>
-                    <a:pt x="204603" y="848932"/>
-                  </a:lnTo>
-                  <a:lnTo>
-                    <a:pt x="168875" y="822214"/>
-                  </a:lnTo>
-                  <a:lnTo>
-                    <a:pt x="135919" y="792258"/>
-                  </a:lnTo>
-                  <a:lnTo>
-                    <a:pt x="105967" y="759300"/>
-                  </a:lnTo>
-                  <a:lnTo>
-                    <a:pt x="79252" y="723571"/>
-                  </a:lnTo>
-                  <a:lnTo>
-                    <a:pt x="56007" y="685306"/>
-                  </a:lnTo>
-                  <a:lnTo>
-                    <a:pt x="36466" y="644737"/>
-                  </a:lnTo>
-                  <a:lnTo>
-                    <a:pt x="20862" y="602099"/>
-                  </a:lnTo>
-                  <a:lnTo>
-                    <a:pt x="9427" y="557625"/>
-                  </a:lnTo>
-                  <a:lnTo>
-                    <a:pt x="2395" y="511547"/>
-                  </a:lnTo>
-                  <a:lnTo>
-                    <a:pt x="0" y="464100"/>
-                  </a:lnTo>
-                  <a:lnTo>
-                    <a:pt x="2395" y="416643"/>
-                  </a:lnTo>
-                  <a:lnTo>
-                    <a:pt x="9427" y="370558"/>
-                  </a:lnTo>
-                  <a:lnTo>
-                    <a:pt x="20862" y="326079"/>
-                  </a:lnTo>
-                  <a:lnTo>
-                    <a:pt x="36466" y="283437"/>
-                  </a:lnTo>
-                  <a:lnTo>
-                    <a:pt x="56007" y="242868"/>
-                  </a:lnTo>
-                  <a:lnTo>
-                    <a:pt x="79252" y="204603"/>
-                  </a:lnTo>
-                  <a:lnTo>
-                    <a:pt x="105967" y="168875"/>
-                  </a:lnTo>
-                  <a:lnTo>
-                    <a:pt x="135919" y="135919"/>
-                  </a:lnTo>
-                  <a:lnTo>
-                    <a:pt x="168875" y="105967"/>
-                  </a:lnTo>
-                  <a:lnTo>
-                    <a:pt x="204603" y="79252"/>
-                  </a:lnTo>
-                  <a:lnTo>
-                    <a:pt x="242868" y="56007"/>
-                  </a:lnTo>
-                  <a:lnTo>
-                    <a:pt x="283437" y="36466"/>
-                  </a:lnTo>
-                  <a:lnTo>
-                    <a:pt x="326079" y="20862"/>
-                  </a:lnTo>
-                  <a:lnTo>
-                    <a:pt x="370558" y="9427"/>
-                  </a:lnTo>
-                  <a:lnTo>
-                    <a:pt x="416643" y="2395"/>
-                  </a:lnTo>
-                  <a:lnTo>
-                    <a:pt x="464100" y="0"/>
-                  </a:lnTo>
-                  <a:lnTo>
-                    <a:pt x="1784761" y="0"/>
-                  </a:lnTo>
-                  <a:lnTo>
-                    <a:pt x="1832208" y="2395"/>
-                  </a:lnTo>
-                  <a:lnTo>
-                    <a:pt x="1878286" y="9427"/>
-                  </a:lnTo>
-                  <a:lnTo>
-                    <a:pt x="1922760" y="20862"/>
-                  </a:lnTo>
-                  <a:lnTo>
-                    <a:pt x="1965398" y="36466"/>
-                  </a:lnTo>
-                  <a:lnTo>
-                    <a:pt x="2005967" y="56007"/>
-                  </a:lnTo>
-                  <a:lnTo>
-                    <a:pt x="2044232" y="79252"/>
-                  </a:lnTo>
-                  <a:lnTo>
-                    <a:pt x="2079961" y="105967"/>
-                  </a:lnTo>
-                  <a:lnTo>
-                    <a:pt x="2112920" y="135919"/>
-                  </a:lnTo>
-                  <a:lnTo>
-                    <a:pt x="2142875" y="168875"/>
-                  </a:lnTo>
-                  <a:lnTo>
-                    <a:pt x="2169594" y="204603"/>
-                  </a:lnTo>
-                  <a:lnTo>
-                    <a:pt x="2192842" y="242868"/>
-                  </a:lnTo>
-                  <a:lnTo>
-                    <a:pt x="2212387" y="283437"/>
-                  </a:lnTo>
-                  <a:lnTo>
-                    <a:pt x="2227995" y="326079"/>
-                  </a:lnTo>
-                  <a:lnTo>
-                    <a:pt x="2239432" y="370558"/>
-                  </a:lnTo>
-                  <a:lnTo>
-                    <a:pt x="2246466" y="416643"/>
-                  </a:lnTo>
-                  <a:lnTo>
-                    <a:pt x="2248862" y="464100"/>
-                  </a:lnTo>
-                  <a:lnTo>
-                    <a:pt x="2246466" y="511547"/>
-                  </a:lnTo>
-                  <a:lnTo>
-                    <a:pt x="2239432" y="557625"/>
-                  </a:lnTo>
-                  <a:lnTo>
-                    <a:pt x="2227995" y="602099"/>
-                  </a:lnTo>
-                  <a:lnTo>
-                    <a:pt x="2212387" y="644737"/>
-                  </a:lnTo>
-                  <a:lnTo>
-                    <a:pt x="2192842" y="685306"/>
-                  </a:lnTo>
-                  <a:lnTo>
-                    <a:pt x="2169594" y="723571"/>
-                  </a:lnTo>
-                  <a:lnTo>
-                    <a:pt x="2142875" y="759300"/>
-                  </a:lnTo>
-                  <a:lnTo>
-                    <a:pt x="2112920" y="792258"/>
-                  </a:lnTo>
-                  <a:lnTo>
-                    <a:pt x="2079961" y="822214"/>
-                  </a:lnTo>
-                  <a:lnTo>
-                    <a:pt x="2044232" y="848932"/>
-                  </a:lnTo>
-                  <a:lnTo>
-                    <a:pt x="2005967" y="872181"/>
-                  </a:lnTo>
-                  <a:lnTo>
-                    <a:pt x="1965398" y="891726"/>
-                  </a:lnTo>
-                  <a:lnTo>
-                    <a:pt x="1922760" y="907334"/>
-                  </a:lnTo>
-                  <a:lnTo>
-                    <a:pt x="1878286" y="918771"/>
-                  </a:lnTo>
-                  <a:lnTo>
-                    <a:pt x="1832208" y="925805"/>
-                  </a:lnTo>
-                  <a:lnTo>
-                    <a:pt x="1784761" y="928201"/>
-                  </a:lnTo>
-                  <a:close/>
-                </a:path>
-              </a:pathLst>
-            </a:custGeom>
-            <a:solidFill>
-              <a:srgbClr val="D5DECC"/>
-            </a:solidFill>
-          </p:spPr>
-          <p:txBody>
-            <a:bodyPr wrap="square" lIns="0" tIns="0" rIns="0" bIns="0" rtlCol="0"/>
-            <a:lstStyle/>
-            <a:p>
-              <a:endParaRPr/>
-            </a:p>
-          </p:txBody>
-        </p:sp>
-        <p:sp>
-          <p:nvSpPr>
-            <p:cNvPr id="10" name="object 19"/>
-            <p:cNvSpPr/>
-            <p:nvPr/>
-          </p:nvSpPr>
-          <p:spPr>
-            <a:xfrm>
-              <a:off x="8480175" y="1028701"/>
-              <a:ext cx="2260600" cy="941069"/>
-            </a:xfrm>
-            <a:custGeom>
-              <a:avLst/>
-              <a:gdLst/>
-              <a:ahLst/>
-              <a:cxnLst/>
-              <a:rect l="l" t="t" r="r" b="b"/>
-              <a:pathLst>
-                <a:path w="2260600" h="941069">
-                  <a:moveTo>
-                    <a:pt x="1790921" y="940519"/>
-                  </a:moveTo>
-                  <a:lnTo>
-                    <a:pt x="470260" y="940519"/>
-                  </a:lnTo>
-                  <a:lnTo>
-                    <a:pt x="422246" y="938087"/>
-                  </a:lnTo>
-                  <a:lnTo>
-                    <a:pt x="375604" y="930948"/>
-                  </a:lnTo>
-                  <a:lnTo>
-                    <a:pt x="330572" y="919342"/>
-                  </a:lnTo>
-                  <a:lnTo>
-                    <a:pt x="287387" y="903506"/>
-                  </a:lnTo>
-                  <a:lnTo>
-                    <a:pt x="246289" y="883678"/>
-                  </a:lnTo>
-                  <a:lnTo>
-                    <a:pt x="207514" y="860098"/>
-                  </a:lnTo>
-                  <a:lnTo>
-                    <a:pt x="171302" y="833002"/>
-                  </a:lnTo>
-                  <a:lnTo>
-                    <a:pt x="137890" y="802629"/>
-                  </a:lnTo>
-                  <a:lnTo>
-                    <a:pt x="107517" y="769217"/>
-                  </a:lnTo>
-                  <a:lnTo>
-                    <a:pt x="80421" y="733005"/>
-                  </a:lnTo>
-                  <a:lnTo>
-                    <a:pt x="56840" y="694230"/>
-                  </a:lnTo>
-                  <a:lnTo>
-                    <a:pt x="37013" y="653132"/>
-                  </a:lnTo>
-                  <a:lnTo>
-                    <a:pt x="21177" y="609947"/>
-                  </a:lnTo>
-                  <a:lnTo>
-                    <a:pt x="9570" y="564915"/>
-                  </a:lnTo>
-                  <a:lnTo>
-                    <a:pt x="2432" y="518273"/>
-                  </a:lnTo>
-                  <a:lnTo>
-                    <a:pt x="0" y="470259"/>
-                  </a:lnTo>
-                  <a:lnTo>
-                    <a:pt x="2432" y="422246"/>
-                  </a:lnTo>
-                  <a:lnTo>
-                    <a:pt x="9570" y="375604"/>
-                  </a:lnTo>
-                  <a:lnTo>
-                    <a:pt x="21177" y="330571"/>
-                  </a:lnTo>
-                  <a:lnTo>
-                    <a:pt x="37013" y="287387"/>
-                  </a:lnTo>
-                  <a:lnTo>
-                    <a:pt x="56840" y="246288"/>
-                  </a:lnTo>
-                  <a:lnTo>
-                    <a:pt x="80421" y="207514"/>
-                  </a:lnTo>
-                  <a:lnTo>
-                    <a:pt x="107517" y="171301"/>
-                  </a:lnTo>
-                  <a:lnTo>
-                    <a:pt x="137890" y="137890"/>
-                  </a:lnTo>
-                  <a:lnTo>
-                    <a:pt x="171302" y="107517"/>
-                  </a:lnTo>
-                  <a:lnTo>
-                    <a:pt x="207514" y="80421"/>
-                  </a:lnTo>
-                  <a:lnTo>
-                    <a:pt x="246289" y="56840"/>
-                  </a:lnTo>
-                  <a:lnTo>
-                    <a:pt x="287387" y="37012"/>
-                  </a:lnTo>
-                  <a:lnTo>
-                    <a:pt x="330572" y="21176"/>
-                  </a:lnTo>
-                  <a:lnTo>
-                    <a:pt x="375604" y="9570"/>
-                  </a:lnTo>
-                  <a:lnTo>
-                    <a:pt x="422246" y="2432"/>
-                  </a:lnTo>
-                  <a:lnTo>
-                    <a:pt x="470252" y="0"/>
-                  </a:lnTo>
-                  <a:lnTo>
-                    <a:pt x="1790928" y="0"/>
-                  </a:lnTo>
-                  <a:lnTo>
-                    <a:pt x="1838934" y="2432"/>
-                  </a:lnTo>
-                  <a:lnTo>
-                    <a:pt x="1885576" y="9570"/>
-                  </a:lnTo>
-                  <a:lnTo>
-                    <a:pt x="1896237" y="12318"/>
-                  </a:lnTo>
-                  <a:lnTo>
-                    <a:pt x="470260" y="12318"/>
-                  </a:lnTo>
-                  <a:lnTo>
-                    <a:pt x="423501" y="14686"/>
-                  </a:lnTo>
-                  <a:lnTo>
-                    <a:pt x="378079" y="21637"/>
-                  </a:lnTo>
-                  <a:lnTo>
-                    <a:pt x="334225" y="32939"/>
-                  </a:lnTo>
-                  <a:lnTo>
-                    <a:pt x="292170" y="48359"/>
-                  </a:lnTo>
-                  <a:lnTo>
-                    <a:pt x="252148" y="67666"/>
-                  </a:lnTo>
-                  <a:lnTo>
-                    <a:pt x="214389" y="90628"/>
-                  </a:lnTo>
-                  <a:lnTo>
-                    <a:pt x="179126" y="117013"/>
-                  </a:lnTo>
-                  <a:lnTo>
-                    <a:pt x="146590" y="146590"/>
-                  </a:lnTo>
-                  <a:lnTo>
-                    <a:pt x="117014" y="179125"/>
-                  </a:lnTo>
-                  <a:lnTo>
-                    <a:pt x="90629" y="214389"/>
-                  </a:lnTo>
-                  <a:lnTo>
-                    <a:pt x="67667" y="252147"/>
-                  </a:lnTo>
-                  <a:lnTo>
-                    <a:pt x="48359" y="292170"/>
-                  </a:lnTo>
-                  <a:lnTo>
-                    <a:pt x="32939" y="334224"/>
-                  </a:lnTo>
-                  <a:lnTo>
-                    <a:pt x="21638" y="378078"/>
-                  </a:lnTo>
-                  <a:lnTo>
-                    <a:pt x="14687" y="423501"/>
-                  </a:lnTo>
-                  <a:lnTo>
-                    <a:pt x="12318" y="470259"/>
-                  </a:lnTo>
-                  <a:lnTo>
-                    <a:pt x="14687" y="517018"/>
-                  </a:lnTo>
-                  <a:lnTo>
-                    <a:pt x="21638" y="562440"/>
-                  </a:lnTo>
-                  <a:lnTo>
-                    <a:pt x="32939" y="606294"/>
-                  </a:lnTo>
-                  <a:lnTo>
-                    <a:pt x="48359" y="648349"/>
-                  </a:lnTo>
-                  <a:lnTo>
-                    <a:pt x="67667" y="688371"/>
-                  </a:lnTo>
-                  <a:lnTo>
-                    <a:pt x="90629" y="726130"/>
-                  </a:lnTo>
-                  <a:lnTo>
-                    <a:pt x="117014" y="761393"/>
-                  </a:lnTo>
-                  <a:lnTo>
-                    <a:pt x="146590" y="793929"/>
-                  </a:lnTo>
-                  <a:lnTo>
-                    <a:pt x="179126" y="823505"/>
-                  </a:lnTo>
-                  <a:lnTo>
-                    <a:pt x="214389" y="849890"/>
-                  </a:lnTo>
-                  <a:lnTo>
-                    <a:pt x="252148" y="872852"/>
-                  </a:lnTo>
-                  <a:lnTo>
-                    <a:pt x="292170" y="892159"/>
-                  </a:lnTo>
-                  <a:lnTo>
-                    <a:pt x="334225" y="907580"/>
-                  </a:lnTo>
-                  <a:lnTo>
-                    <a:pt x="378079" y="918881"/>
-                  </a:lnTo>
-                  <a:lnTo>
-                    <a:pt x="423501" y="925832"/>
-                  </a:lnTo>
-                  <a:lnTo>
-                    <a:pt x="470260" y="928201"/>
-                  </a:lnTo>
-                  <a:lnTo>
-                    <a:pt x="1896237" y="928201"/>
-                  </a:lnTo>
-                  <a:lnTo>
-                    <a:pt x="1885576" y="930948"/>
-                  </a:lnTo>
-                  <a:lnTo>
-                    <a:pt x="1838934" y="938087"/>
-                  </a:lnTo>
-                  <a:lnTo>
-                    <a:pt x="1790921" y="940519"/>
-                  </a:lnTo>
-                  <a:close/>
-                </a:path>
-                <a:path w="2260600" h="941069">
-                  <a:moveTo>
-                    <a:pt x="1896237" y="928201"/>
-                  </a:moveTo>
-                  <a:lnTo>
-                    <a:pt x="1790921" y="928201"/>
-                  </a:lnTo>
-                  <a:lnTo>
-                    <a:pt x="1837679" y="925832"/>
-                  </a:lnTo>
-                  <a:lnTo>
-                    <a:pt x="1883102" y="918881"/>
-                  </a:lnTo>
-                  <a:lnTo>
-                    <a:pt x="1926956" y="907580"/>
-                  </a:lnTo>
-                  <a:lnTo>
-                    <a:pt x="1969010" y="892159"/>
-                  </a:lnTo>
-                  <a:lnTo>
-                    <a:pt x="2009033" y="872852"/>
-                  </a:lnTo>
-                  <a:lnTo>
-                    <a:pt x="2046791" y="849890"/>
-                  </a:lnTo>
-                  <a:lnTo>
-                    <a:pt x="2082055" y="823505"/>
-                  </a:lnTo>
-                  <a:lnTo>
-                    <a:pt x="2114590" y="793929"/>
-                  </a:lnTo>
-                  <a:lnTo>
-                    <a:pt x="2144167" y="761393"/>
-                  </a:lnTo>
-                  <a:lnTo>
-                    <a:pt x="2170552" y="726130"/>
-                  </a:lnTo>
-                  <a:lnTo>
-                    <a:pt x="2193514" y="688371"/>
-                  </a:lnTo>
-                  <a:lnTo>
-                    <a:pt x="2212821" y="648349"/>
-                  </a:lnTo>
-                  <a:lnTo>
-                    <a:pt x="2228241" y="606294"/>
-                  </a:lnTo>
-                  <a:lnTo>
-                    <a:pt x="2239543" y="562440"/>
-                  </a:lnTo>
-                  <a:lnTo>
-                    <a:pt x="2246494" y="517018"/>
-                  </a:lnTo>
-                  <a:lnTo>
-                    <a:pt x="2248863" y="470259"/>
-                  </a:lnTo>
-                  <a:lnTo>
-                    <a:pt x="2246494" y="423501"/>
-                  </a:lnTo>
-                  <a:lnTo>
-                    <a:pt x="2239543" y="378078"/>
-                  </a:lnTo>
-                  <a:lnTo>
-                    <a:pt x="2228241" y="334224"/>
-                  </a:lnTo>
-                  <a:lnTo>
-                    <a:pt x="2212821" y="292170"/>
-                  </a:lnTo>
-                  <a:lnTo>
-                    <a:pt x="2193514" y="252147"/>
-                  </a:lnTo>
-                  <a:lnTo>
-                    <a:pt x="2170552" y="214389"/>
-                  </a:lnTo>
-                  <a:lnTo>
-                    <a:pt x="2144167" y="179125"/>
-                  </a:lnTo>
-                  <a:lnTo>
-                    <a:pt x="2114590" y="146590"/>
-                  </a:lnTo>
-                  <a:lnTo>
-                    <a:pt x="2082055" y="117013"/>
-                  </a:lnTo>
-                  <a:lnTo>
-                    <a:pt x="2046791" y="90628"/>
-                  </a:lnTo>
-                  <a:lnTo>
-                    <a:pt x="2009033" y="67666"/>
-                  </a:lnTo>
-                  <a:lnTo>
-                    <a:pt x="1969010" y="48359"/>
-                  </a:lnTo>
-                  <a:lnTo>
-                    <a:pt x="1926956" y="32939"/>
-                  </a:lnTo>
-                  <a:lnTo>
-                    <a:pt x="1883102" y="21637"/>
-                  </a:lnTo>
-                  <a:lnTo>
-                    <a:pt x="1837679" y="14686"/>
-                  </a:lnTo>
-                  <a:lnTo>
-                    <a:pt x="1790921" y="12318"/>
-                  </a:lnTo>
-                  <a:lnTo>
-                    <a:pt x="1896237" y="12318"/>
-                  </a:lnTo>
-                  <a:lnTo>
-                    <a:pt x="1973793" y="37012"/>
-                  </a:lnTo>
-                  <a:lnTo>
-                    <a:pt x="2014892" y="56840"/>
-                  </a:lnTo>
-                  <a:lnTo>
-                    <a:pt x="2053667" y="80421"/>
-                  </a:lnTo>
-                  <a:lnTo>
-                    <a:pt x="2089879" y="107517"/>
-                  </a:lnTo>
-                  <a:lnTo>
-                    <a:pt x="2123290" y="137890"/>
-                  </a:lnTo>
-                  <a:lnTo>
-                    <a:pt x="2153663" y="171301"/>
-                  </a:lnTo>
-                  <a:lnTo>
-                    <a:pt x="2180759" y="207514"/>
-                  </a:lnTo>
-                  <a:lnTo>
-                    <a:pt x="2204340" y="246288"/>
-                  </a:lnTo>
-                  <a:lnTo>
-                    <a:pt x="2224168" y="287387"/>
-                  </a:lnTo>
-                  <a:lnTo>
-                    <a:pt x="2240004" y="330571"/>
-                  </a:lnTo>
-                  <a:lnTo>
-                    <a:pt x="2251610" y="375604"/>
-                  </a:lnTo>
-                  <a:lnTo>
-                    <a:pt x="2258749" y="422246"/>
-                  </a:lnTo>
-                  <a:lnTo>
-                    <a:pt x="2260450" y="455834"/>
-                  </a:lnTo>
-                  <a:lnTo>
-                    <a:pt x="2260450" y="484684"/>
-                  </a:lnTo>
-                  <a:lnTo>
-                    <a:pt x="2251610" y="564915"/>
-                  </a:lnTo>
-                  <a:lnTo>
-                    <a:pt x="2240004" y="609947"/>
-                  </a:lnTo>
-                  <a:lnTo>
-                    <a:pt x="2224168" y="653132"/>
-                  </a:lnTo>
-                  <a:lnTo>
-                    <a:pt x="2204340" y="694230"/>
-                  </a:lnTo>
-                  <a:lnTo>
-                    <a:pt x="2180759" y="733005"/>
-                  </a:lnTo>
-                  <a:lnTo>
-                    <a:pt x="2153663" y="769217"/>
-                  </a:lnTo>
-                  <a:lnTo>
-                    <a:pt x="2123290" y="802629"/>
-                  </a:lnTo>
-                  <a:lnTo>
-                    <a:pt x="2089879" y="833002"/>
-                  </a:lnTo>
-                  <a:lnTo>
-                    <a:pt x="2053667" y="860098"/>
-                  </a:lnTo>
-                  <a:lnTo>
-                    <a:pt x="2014892" y="883678"/>
-                  </a:lnTo>
-                  <a:lnTo>
-                    <a:pt x="1973793" y="903506"/>
-                  </a:lnTo>
-                  <a:lnTo>
-                    <a:pt x="1930609" y="919342"/>
-                  </a:lnTo>
-                  <a:lnTo>
-                    <a:pt x="1896237" y="928201"/>
-                  </a:lnTo>
-                  <a:close/>
-                </a:path>
-              </a:pathLst>
-            </a:custGeom>
-            <a:solidFill>
-              <a:srgbClr val="000000"/>
-            </a:solidFill>
-          </p:spPr>
-          <p:txBody>
-            <a:bodyPr wrap="square" lIns="0" tIns="0" rIns="0" bIns="0" rtlCol="0"/>
-            <a:lstStyle/>
-            <a:p>
-              <a:endParaRPr/>
-            </a:p>
-          </p:txBody>
-        </p:sp>
-      </p:grpSp>
-      <p:sp>
-        <p:nvSpPr>
-          <p:cNvPr id="7" name="TextBox 6"/>
-          <p:cNvSpPr txBox="1"/>
-          <p:nvPr/>
-        </p:nvSpPr>
-        <p:spPr>
-          <a:xfrm>
-            <a:off x="13554908" y="331801"/>
-            <a:ext cx="3971092" cy="784830"/>
-          </a:xfrm>
-          <a:prstGeom prst="rect">
-            <a:avLst/>
-          </a:prstGeom>
-          <a:noFill/>
-        </p:spPr>
-        <p:txBody>
-          <a:bodyPr wrap="square" rtlCol="0">
-            <a:spAutoFit/>
-          </a:bodyPr>
-          <a:lstStyle/>
-          <a:p>
-            <a:pPr algn="ctr"/>
-            <a:r>
-              <a:rPr lang="en-US" altLang="ko-KR" sz="4500" dirty="0"/>
-              <a:t>Search</a:t>
-            </a:r>
-            <a:endParaRPr lang="ko-KR" altLang="en-US" sz="4500" dirty="0"/>
-          </a:p>
-        </p:txBody>
-      </p:sp>
-    </p:spTree>
-    <p:extLst>
-      <p:ext uri="{BB962C8B-B14F-4D97-AF65-F5344CB8AC3E}">
-        <p14:creationId xmlns:p14="http://schemas.microsoft.com/office/powerpoint/2010/main" val="1513068440"/>
-      </p:ext>
-    </p:extLst>
-  </p:cSld>
-  <p:clrMapOvr>
-    <a:masterClrMapping/>
-  </p:clrMapOvr>
-</p:sld>
-</file>
-
-<file path=ppt/slides/slide24.xml><?xml version="1.0" encoding="utf-8"?>
-<p:sld xmlns:a="http://schemas.openxmlformats.org/drawingml/2006/main" xmlns:r="http://schemas.openxmlformats.org/officeDocument/2006/relationships" xmlns:p="http://schemas.openxmlformats.org/presentationml/2006/main">
-  <p:cSld>
-    <p:spTree>
-      <p:nvGrpSpPr>
-        <p:cNvPr id="1" name=""/>
-        <p:cNvGrpSpPr/>
-        <p:nvPr/>
-      </p:nvGrpSpPr>
-      <p:grpSpPr>
-        <a:xfrm>
-          <a:off x="0" y="0"/>
-          <a:ext cx="0" cy="0"/>
-          <a:chOff x="0" y="0"/>
-          <a:chExt cx="0" cy="0"/>
-        </a:xfrm>
-      </p:grpSpPr>
-      <p:sp>
-        <p:nvSpPr>
-          <p:cNvPr id="2" name="object 2"/>
-          <p:cNvSpPr/>
-          <p:nvPr/>
-        </p:nvSpPr>
-        <p:spPr>
-          <a:xfrm>
-            <a:off x="0" y="3"/>
-            <a:ext cx="18288000" cy="10287000"/>
-          </a:xfrm>
-          <a:custGeom>
-            <a:avLst/>
-            <a:gdLst/>
-            <a:ahLst/>
-            <a:cxnLst/>
-            <a:rect l="l" t="t" r="r" b="b"/>
-            <a:pathLst>
-              <a:path w="18288000" h="10287000">
-                <a:moveTo>
-                  <a:pt x="18287998" y="10286999"/>
-                </a:moveTo>
-                <a:lnTo>
-                  <a:pt x="0" y="10286999"/>
-                </a:lnTo>
-                <a:lnTo>
-                  <a:pt x="0" y="0"/>
-                </a:lnTo>
-                <a:lnTo>
-                  <a:pt x="18287998" y="0"/>
-                </a:lnTo>
-                <a:lnTo>
-                  <a:pt x="18287998" y="10286999"/>
-                </a:lnTo>
-                <a:close/>
-              </a:path>
-            </a:pathLst>
-          </a:custGeom>
-          <a:solidFill>
-            <a:srgbClr val="B9BADD"/>
-          </a:solidFill>
-        </p:spPr>
-        <p:txBody>
-          <a:bodyPr wrap="square" lIns="0" tIns="0" rIns="0" bIns="0" rtlCol="0"/>
-          <a:lstStyle/>
-          <a:p>
-            <a:endParaRPr/>
-          </a:p>
-        </p:txBody>
-      </p:sp>
-      <p:grpSp>
-        <p:nvGrpSpPr>
-          <p:cNvPr id="8" name="object 17"/>
-          <p:cNvGrpSpPr/>
-          <p:nvPr/>
-        </p:nvGrpSpPr>
-        <p:grpSpPr>
-          <a:xfrm>
-            <a:off x="13106400" y="253873"/>
-            <a:ext cx="4800600" cy="941069"/>
-            <a:chOff x="8480175" y="1028701"/>
-            <a:chExt cx="2260600" cy="941069"/>
-          </a:xfrm>
-        </p:grpSpPr>
-        <p:sp>
-          <p:nvSpPr>
-            <p:cNvPr id="9" name="object 18"/>
-            <p:cNvSpPr/>
-            <p:nvPr/>
-          </p:nvSpPr>
-          <p:spPr>
-            <a:xfrm>
-              <a:off x="8486334" y="1034860"/>
-              <a:ext cx="2249170" cy="928369"/>
-            </a:xfrm>
-            <a:custGeom>
-              <a:avLst/>
-              <a:gdLst/>
-              <a:ahLst/>
-              <a:cxnLst/>
-              <a:rect l="l" t="t" r="r" b="b"/>
-              <a:pathLst>
-                <a:path w="2249170" h="928369">
-                  <a:moveTo>
-                    <a:pt x="1784761" y="928201"/>
-                  </a:moveTo>
-                  <a:lnTo>
-                    <a:pt x="464100" y="928201"/>
-                  </a:lnTo>
-                  <a:lnTo>
-                    <a:pt x="416643" y="925805"/>
-                  </a:lnTo>
-                  <a:lnTo>
-                    <a:pt x="370558" y="918771"/>
-                  </a:lnTo>
-                  <a:lnTo>
-                    <a:pt x="326079" y="907334"/>
-                  </a:lnTo>
-                  <a:lnTo>
-                    <a:pt x="283437" y="891726"/>
-                  </a:lnTo>
-                  <a:lnTo>
-                    <a:pt x="242868" y="872181"/>
-                  </a:lnTo>
-                  <a:lnTo>
-                    <a:pt x="204603" y="848932"/>
-                  </a:lnTo>
-                  <a:lnTo>
-                    <a:pt x="168875" y="822214"/>
-                  </a:lnTo>
-                  <a:lnTo>
-                    <a:pt x="135919" y="792258"/>
-                  </a:lnTo>
-                  <a:lnTo>
-                    <a:pt x="105967" y="759300"/>
-                  </a:lnTo>
-                  <a:lnTo>
-                    <a:pt x="79252" y="723571"/>
-                  </a:lnTo>
-                  <a:lnTo>
-                    <a:pt x="56007" y="685306"/>
-                  </a:lnTo>
-                  <a:lnTo>
-                    <a:pt x="36466" y="644737"/>
-                  </a:lnTo>
-                  <a:lnTo>
-                    <a:pt x="20862" y="602099"/>
-                  </a:lnTo>
-                  <a:lnTo>
-                    <a:pt x="9427" y="557625"/>
-                  </a:lnTo>
-                  <a:lnTo>
-                    <a:pt x="2395" y="511547"/>
-                  </a:lnTo>
-                  <a:lnTo>
-                    <a:pt x="0" y="464100"/>
-                  </a:lnTo>
-                  <a:lnTo>
-                    <a:pt x="2395" y="416643"/>
-                  </a:lnTo>
-                  <a:lnTo>
-                    <a:pt x="9427" y="370558"/>
-                  </a:lnTo>
-                  <a:lnTo>
-                    <a:pt x="20862" y="326079"/>
-                  </a:lnTo>
-                  <a:lnTo>
-                    <a:pt x="36466" y="283437"/>
-                  </a:lnTo>
-                  <a:lnTo>
-                    <a:pt x="56007" y="242868"/>
-                  </a:lnTo>
-                  <a:lnTo>
-                    <a:pt x="79252" y="204603"/>
-                  </a:lnTo>
-                  <a:lnTo>
-                    <a:pt x="105967" y="168875"/>
-                  </a:lnTo>
-                  <a:lnTo>
-                    <a:pt x="135919" y="135919"/>
-                  </a:lnTo>
-                  <a:lnTo>
-                    <a:pt x="168875" y="105967"/>
-                  </a:lnTo>
-                  <a:lnTo>
-                    <a:pt x="204603" y="79252"/>
-                  </a:lnTo>
-                  <a:lnTo>
-                    <a:pt x="242868" y="56007"/>
-                  </a:lnTo>
-                  <a:lnTo>
-                    <a:pt x="283437" y="36466"/>
-                  </a:lnTo>
-                  <a:lnTo>
-                    <a:pt x="326079" y="20862"/>
-                  </a:lnTo>
-                  <a:lnTo>
-                    <a:pt x="370558" y="9427"/>
-                  </a:lnTo>
-                  <a:lnTo>
-                    <a:pt x="416643" y="2395"/>
-                  </a:lnTo>
-                  <a:lnTo>
-                    <a:pt x="464100" y="0"/>
-                  </a:lnTo>
-                  <a:lnTo>
-                    <a:pt x="1784761" y="0"/>
-                  </a:lnTo>
-                  <a:lnTo>
-                    <a:pt x="1832208" y="2395"/>
-                  </a:lnTo>
-                  <a:lnTo>
-                    <a:pt x="1878286" y="9427"/>
-                  </a:lnTo>
-                  <a:lnTo>
-                    <a:pt x="1922760" y="20862"/>
-                  </a:lnTo>
-                  <a:lnTo>
-                    <a:pt x="1965398" y="36466"/>
-                  </a:lnTo>
-                  <a:lnTo>
-                    <a:pt x="2005967" y="56007"/>
-                  </a:lnTo>
-                  <a:lnTo>
-                    <a:pt x="2044232" y="79252"/>
-                  </a:lnTo>
-                  <a:lnTo>
-                    <a:pt x="2079961" y="105967"/>
-                  </a:lnTo>
-                  <a:lnTo>
-                    <a:pt x="2112920" y="135919"/>
-                  </a:lnTo>
-                  <a:lnTo>
-                    <a:pt x="2142875" y="168875"/>
-                  </a:lnTo>
-                  <a:lnTo>
-                    <a:pt x="2169594" y="204603"/>
-                  </a:lnTo>
-                  <a:lnTo>
-                    <a:pt x="2192842" y="242868"/>
-                  </a:lnTo>
-                  <a:lnTo>
-                    <a:pt x="2212387" y="283437"/>
-                  </a:lnTo>
-                  <a:lnTo>
-                    <a:pt x="2227995" y="326079"/>
-                  </a:lnTo>
-                  <a:lnTo>
-                    <a:pt x="2239432" y="370558"/>
-                  </a:lnTo>
-                  <a:lnTo>
-                    <a:pt x="2246466" y="416643"/>
-                  </a:lnTo>
-                  <a:lnTo>
-                    <a:pt x="2248862" y="464100"/>
-                  </a:lnTo>
-                  <a:lnTo>
-                    <a:pt x="2246466" y="511547"/>
-                  </a:lnTo>
-                  <a:lnTo>
-                    <a:pt x="2239432" y="557625"/>
-                  </a:lnTo>
-                  <a:lnTo>
-                    <a:pt x="2227995" y="602099"/>
-                  </a:lnTo>
-                  <a:lnTo>
-                    <a:pt x="2212387" y="644737"/>
-                  </a:lnTo>
-                  <a:lnTo>
-                    <a:pt x="2192842" y="685306"/>
-                  </a:lnTo>
-                  <a:lnTo>
-                    <a:pt x="2169594" y="723571"/>
-                  </a:lnTo>
-                  <a:lnTo>
-                    <a:pt x="2142875" y="759300"/>
-                  </a:lnTo>
-                  <a:lnTo>
-                    <a:pt x="2112920" y="792258"/>
-                  </a:lnTo>
-                  <a:lnTo>
-                    <a:pt x="2079961" y="822214"/>
-                  </a:lnTo>
-                  <a:lnTo>
-                    <a:pt x="2044232" y="848932"/>
-                  </a:lnTo>
-                  <a:lnTo>
-                    <a:pt x="2005967" y="872181"/>
-                  </a:lnTo>
-                  <a:lnTo>
-                    <a:pt x="1965398" y="891726"/>
-                  </a:lnTo>
-                  <a:lnTo>
-                    <a:pt x="1922760" y="907334"/>
-                  </a:lnTo>
-                  <a:lnTo>
-                    <a:pt x="1878286" y="918771"/>
-                  </a:lnTo>
-                  <a:lnTo>
-                    <a:pt x="1832208" y="925805"/>
-                  </a:lnTo>
-                  <a:lnTo>
-                    <a:pt x="1784761" y="928201"/>
-                  </a:lnTo>
-                  <a:close/>
-                </a:path>
-              </a:pathLst>
-            </a:custGeom>
-            <a:solidFill>
-              <a:srgbClr val="D5DECC"/>
-            </a:solidFill>
-          </p:spPr>
-          <p:txBody>
-            <a:bodyPr wrap="square" lIns="0" tIns="0" rIns="0" bIns="0" rtlCol="0"/>
-            <a:lstStyle/>
-            <a:p>
-              <a:endParaRPr/>
-            </a:p>
-          </p:txBody>
-        </p:sp>
-        <p:sp>
-          <p:nvSpPr>
-            <p:cNvPr id="10" name="object 19"/>
-            <p:cNvSpPr/>
-            <p:nvPr/>
-          </p:nvSpPr>
-          <p:spPr>
-            <a:xfrm>
-              <a:off x="8480175" y="1028701"/>
-              <a:ext cx="2260600" cy="941069"/>
-            </a:xfrm>
-            <a:custGeom>
-              <a:avLst/>
-              <a:gdLst/>
-              <a:ahLst/>
-              <a:cxnLst/>
-              <a:rect l="l" t="t" r="r" b="b"/>
-              <a:pathLst>
-                <a:path w="2260600" h="941069">
-                  <a:moveTo>
-                    <a:pt x="1790921" y="940519"/>
-                  </a:moveTo>
-                  <a:lnTo>
-                    <a:pt x="470260" y="940519"/>
-                  </a:lnTo>
-                  <a:lnTo>
-                    <a:pt x="422246" y="938087"/>
-                  </a:lnTo>
-                  <a:lnTo>
-                    <a:pt x="375604" y="930948"/>
-                  </a:lnTo>
-                  <a:lnTo>
-                    <a:pt x="330572" y="919342"/>
-                  </a:lnTo>
-                  <a:lnTo>
-                    <a:pt x="287387" y="903506"/>
-                  </a:lnTo>
-                  <a:lnTo>
-                    <a:pt x="246289" y="883678"/>
-                  </a:lnTo>
-                  <a:lnTo>
-                    <a:pt x="207514" y="860098"/>
-                  </a:lnTo>
-                  <a:lnTo>
-                    <a:pt x="171302" y="833002"/>
-                  </a:lnTo>
-                  <a:lnTo>
-                    <a:pt x="137890" y="802629"/>
-                  </a:lnTo>
-                  <a:lnTo>
-                    <a:pt x="107517" y="769217"/>
-                  </a:lnTo>
-                  <a:lnTo>
-                    <a:pt x="80421" y="733005"/>
-                  </a:lnTo>
-                  <a:lnTo>
-                    <a:pt x="56840" y="694230"/>
-                  </a:lnTo>
-                  <a:lnTo>
-                    <a:pt x="37013" y="653132"/>
-                  </a:lnTo>
-                  <a:lnTo>
-                    <a:pt x="21177" y="609947"/>
-                  </a:lnTo>
-                  <a:lnTo>
-                    <a:pt x="9570" y="564915"/>
-                  </a:lnTo>
-                  <a:lnTo>
-                    <a:pt x="2432" y="518273"/>
-                  </a:lnTo>
-                  <a:lnTo>
-                    <a:pt x="0" y="470259"/>
-                  </a:lnTo>
-                  <a:lnTo>
-                    <a:pt x="2432" y="422246"/>
-                  </a:lnTo>
-                  <a:lnTo>
-                    <a:pt x="9570" y="375604"/>
-                  </a:lnTo>
-                  <a:lnTo>
-                    <a:pt x="21177" y="330571"/>
-                  </a:lnTo>
-                  <a:lnTo>
-                    <a:pt x="37013" y="287387"/>
-                  </a:lnTo>
-                  <a:lnTo>
-                    <a:pt x="56840" y="246288"/>
-                  </a:lnTo>
-                  <a:lnTo>
-                    <a:pt x="80421" y="207514"/>
-                  </a:lnTo>
-                  <a:lnTo>
-                    <a:pt x="107517" y="171301"/>
-                  </a:lnTo>
-                  <a:lnTo>
-                    <a:pt x="137890" y="137890"/>
-                  </a:lnTo>
-                  <a:lnTo>
-                    <a:pt x="171302" y="107517"/>
-                  </a:lnTo>
-                  <a:lnTo>
-                    <a:pt x="207514" y="80421"/>
-                  </a:lnTo>
-                  <a:lnTo>
-                    <a:pt x="246289" y="56840"/>
-                  </a:lnTo>
-                  <a:lnTo>
-                    <a:pt x="287387" y="37012"/>
-                  </a:lnTo>
-                  <a:lnTo>
-                    <a:pt x="330572" y="21176"/>
-                  </a:lnTo>
-                  <a:lnTo>
-                    <a:pt x="375604" y="9570"/>
-                  </a:lnTo>
-                  <a:lnTo>
-                    <a:pt x="422246" y="2432"/>
-                  </a:lnTo>
-                  <a:lnTo>
-                    <a:pt x="470252" y="0"/>
-                  </a:lnTo>
-                  <a:lnTo>
-                    <a:pt x="1790928" y="0"/>
-                  </a:lnTo>
-                  <a:lnTo>
-                    <a:pt x="1838934" y="2432"/>
-                  </a:lnTo>
-                  <a:lnTo>
-                    <a:pt x="1885576" y="9570"/>
-                  </a:lnTo>
-                  <a:lnTo>
-                    <a:pt x="1896237" y="12318"/>
-                  </a:lnTo>
-                  <a:lnTo>
-                    <a:pt x="470260" y="12318"/>
-                  </a:lnTo>
-                  <a:lnTo>
-                    <a:pt x="423501" y="14686"/>
-                  </a:lnTo>
-                  <a:lnTo>
-                    <a:pt x="378079" y="21637"/>
-                  </a:lnTo>
-                  <a:lnTo>
-                    <a:pt x="334225" y="32939"/>
-                  </a:lnTo>
-                  <a:lnTo>
-                    <a:pt x="292170" y="48359"/>
-                  </a:lnTo>
-                  <a:lnTo>
-                    <a:pt x="252148" y="67666"/>
-                  </a:lnTo>
-                  <a:lnTo>
-                    <a:pt x="214389" y="90628"/>
-                  </a:lnTo>
-                  <a:lnTo>
-                    <a:pt x="179126" y="117013"/>
-                  </a:lnTo>
-                  <a:lnTo>
-                    <a:pt x="146590" y="146590"/>
-                  </a:lnTo>
-                  <a:lnTo>
-                    <a:pt x="117014" y="179125"/>
-                  </a:lnTo>
-                  <a:lnTo>
-                    <a:pt x="90629" y="214389"/>
-                  </a:lnTo>
-                  <a:lnTo>
-                    <a:pt x="67667" y="252147"/>
-                  </a:lnTo>
-                  <a:lnTo>
-                    <a:pt x="48359" y="292170"/>
-                  </a:lnTo>
-                  <a:lnTo>
-                    <a:pt x="32939" y="334224"/>
-                  </a:lnTo>
-                  <a:lnTo>
-                    <a:pt x="21638" y="378078"/>
-                  </a:lnTo>
-                  <a:lnTo>
-                    <a:pt x="14687" y="423501"/>
-                  </a:lnTo>
-                  <a:lnTo>
-                    <a:pt x="12318" y="470259"/>
-                  </a:lnTo>
-                  <a:lnTo>
-                    <a:pt x="14687" y="517018"/>
-                  </a:lnTo>
-                  <a:lnTo>
-                    <a:pt x="21638" y="562440"/>
-                  </a:lnTo>
-                  <a:lnTo>
-                    <a:pt x="32939" y="606294"/>
-                  </a:lnTo>
-                  <a:lnTo>
-                    <a:pt x="48359" y="648349"/>
-                  </a:lnTo>
-                  <a:lnTo>
-                    <a:pt x="67667" y="688371"/>
-                  </a:lnTo>
-                  <a:lnTo>
-                    <a:pt x="90629" y="726130"/>
-                  </a:lnTo>
-                  <a:lnTo>
-                    <a:pt x="117014" y="761393"/>
-                  </a:lnTo>
-                  <a:lnTo>
-                    <a:pt x="146590" y="793929"/>
-                  </a:lnTo>
-                  <a:lnTo>
-                    <a:pt x="179126" y="823505"/>
-                  </a:lnTo>
-                  <a:lnTo>
-                    <a:pt x="214389" y="849890"/>
-                  </a:lnTo>
-                  <a:lnTo>
-                    <a:pt x="252148" y="872852"/>
-                  </a:lnTo>
-                  <a:lnTo>
-                    <a:pt x="292170" y="892159"/>
-                  </a:lnTo>
-                  <a:lnTo>
-                    <a:pt x="334225" y="907580"/>
-                  </a:lnTo>
-                  <a:lnTo>
-                    <a:pt x="378079" y="918881"/>
-                  </a:lnTo>
-                  <a:lnTo>
-                    <a:pt x="423501" y="925832"/>
-                  </a:lnTo>
-                  <a:lnTo>
-                    <a:pt x="470260" y="928201"/>
-                  </a:lnTo>
-                  <a:lnTo>
-                    <a:pt x="1896237" y="928201"/>
-                  </a:lnTo>
-                  <a:lnTo>
-                    <a:pt x="1885576" y="930948"/>
-                  </a:lnTo>
-                  <a:lnTo>
-                    <a:pt x="1838934" y="938087"/>
-                  </a:lnTo>
-                  <a:lnTo>
-                    <a:pt x="1790921" y="940519"/>
-                  </a:lnTo>
-                  <a:close/>
-                </a:path>
-                <a:path w="2260600" h="941069">
-                  <a:moveTo>
-                    <a:pt x="1896237" y="928201"/>
-                  </a:moveTo>
-                  <a:lnTo>
-                    <a:pt x="1790921" y="928201"/>
-                  </a:lnTo>
-                  <a:lnTo>
-                    <a:pt x="1837679" y="925832"/>
-                  </a:lnTo>
-                  <a:lnTo>
-                    <a:pt x="1883102" y="918881"/>
-                  </a:lnTo>
-                  <a:lnTo>
-                    <a:pt x="1926956" y="907580"/>
-                  </a:lnTo>
-                  <a:lnTo>
-                    <a:pt x="1969010" y="892159"/>
-                  </a:lnTo>
-                  <a:lnTo>
-                    <a:pt x="2009033" y="872852"/>
-                  </a:lnTo>
-                  <a:lnTo>
-                    <a:pt x="2046791" y="849890"/>
-                  </a:lnTo>
-                  <a:lnTo>
-                    <a:pt x="2082055" y="823505"/>
-                  </a:lnTo>
-                  <a:lnTo>
-                    <a:pt x="2114590" y="793929"/>
-                  </a:lnTo>
-                  <a:lnTo>
-                    <a:pt x="2144167" y="761393"/>
-                  </a:lnTo>
-                  <a:lnTo>
-                    <a:pt x="2170552" y="726130"/>
-                  </a:lnTo>
-                  <a:lnTo>
-                    <a:pt x="2193514" y="688371"/>
-                  </a:lnTo>
-                  <a:lnTo>
-                    <a:pt x="2212821" y="648349"/>
-                  </a:lnTo>
-                  <a:lnTo>
-                    <a:pt x="2228241" y="606294"/>
-                  </a:lnTo>
-                  <a:lnTo>
-                    <a:pt x="2239543" y="562440"/>
-                  </a:lnTo>
-                  <a:lnTo>
-                    <a:pt x="2246494" y="517018"/>
-                  </a:lnTo>
-                  <a:lnTo>
-                    <a:pt x="2248863" y="470259"/>
-                  </a:lnTo>
-                  <a:lnTo>
-                    <a:pt x="2246494" y="423501"/>
-                  </a:lnTo>
-                  <a:lnTo>
-                    <a:pt x="2239543" y="378078"/>
-                  </a:lnTo>
-                  <a:lnTo>
-                    <a:pt x="2228241" y="334224"/>
-                  </a:lnTo>
-                  <a:lnTo>
-                    <a:pt x="2212821" y="292170"/>
-                  </a:lnTo>
-                  <a:lnTo>
-                    <a:pt x="2193514" y="252147"/>
-                  </a:lnTo>
-                  <a:lnTo>
-                    <a:pt x="2170552" y="214389"/>
-                  </a:lnTo>
-                  <a:lnTo>
-                    <a:pt x="2144167" y="179125"/>
-                  </a:lnTo>
-                  <a:lnTo>
-                    <a:pt x="2114590" y="146590"/>
-                  </a:lnTo>
-                  <a:lnTo>
-                    <a:pt x="2082055" y="117013"/>
-                  </a:lnTo>
-                  <a:lnTo>
-                    <a:pt x="2046791" y="90628"/>
-                  </a:lnTo>
-                  <a:lnTo>
-                    <a:pt x="2009033" y="67666"/>
-                  </a:lnTo>
-                  <a:lnTo>
-                    <a:pt x="1969010" y="48359"/>
-                  </a:lnTo>
-                  <a:lnTo>
-                    <a:pt x="1926956" y="32939"/>
-                  </a:lnTo>
-                  <a:lnTo>
-                    <a:pt x="1883102" y="21637"/>
-                  </a:lnTo>
-                  <a:lnTo>
-                    <a:pt x="1837679" y="14686"/>
-                  </a:lnTo>
-                  <a:lnTo>
-                    <a:pt x="1790921" y="12318"/>
-                  </a:lnTo>
-                  <a:lnTo>
-                    <a:pt x="1896237" y="12318"/>
-                  </a:lnTo>
-                  <a:lnTo>
-                    <a:pt x="1973793" y="37012"/>
-                  </a:lnTo>
-                  <a:lnTo>
-                    <a:pt x="2014892" y="56840"/>
-                  </a:lnTo>
-                  <a:lnTo>
-                    <a:pt x="2053667" y="80421"/>
-                  </a:lnTo>
-                  <a:lnTo>
-                    <a:pt x="2089879" y="107517"/>
-                  </a:lnTo>
-                  <a:lnTo>
-                    <a:pt x="2123290" y="137890"/>
-                  </a:lnTo>
-                  <a:lnTo>
-                    <a:pt x="2153663" y="171301"/>
-                  </a:lnTo>
-                  <a:lnTo>
-                    <a:pt x="2180759" y="207514"/>
-                  </a:lnTo>
-                  <a:lnTo>
-                    <a:pt x="2204340" y="246288"/>
-                  </a:lnTo>
-                  <a:lnTo>
-                    <a:pt x="2224168" y="287387"/>
-                  </a:lnTo>
-                  <a:lnTo>
-                    <a:pt x="2240004" y="330571"/>
-                  </a:lnTo>
-                  <a:lnTo>
-                    <a:pt x="2251610" y="375604"/>
-                  </a:lnTo>
-                  <a:lnTo>
-                    <a:pt x="2258749" y="422246"/>
-                  </a:lnTo>
-                  <a:lnTo>
-                    <a:pt x="2260450" y="455834"/>
-                  </a:lnTo>
-                  <a:lnTo>
-                    <a:pt x="2260450" y="484684"/>
-                  </a:lnTo>
-                  <a:lnTo>
-                    <a:pt x="2251610" y="564915"/>
-                  </a:lnTo>
-                  <a:lnTo>
-                    <a:pt x="2240004" y="609947"/>
-                  </a:lnTo>
-                  <a:lnTo>
-                    <a:pt x="2224168" y="653132"/>
-                  </a:lnTo>
-                  <a:lnTo>
-                    <a:pt x="2204340" y="694230"/>
-                  </a:lnTo>
-                  <a:lnTo>
-                    <a:pt x="2180759" y="733005"/>
-                  </a:lnTo>
-                  <a:lnTo>
-                    <a:pt x="2153663" y="769217"/>
-                  </a:lnTo>
-                  <a:lnTo>
-                    <a:pt x="2123290" y="802629"/>
-                  </a:lnTo>
-                  <a:lnTo>
-                    <a:pt x="2089879" y="833002"/>
-                  </a:lnTo>
-                  <a:lnTo>
-                    <a:pt x="2053667" y="860098"/>
-                  </a:lnTo>
-                  <a:lnTo>
-                    <a:pt x="2014892" y="883678"/>
-                  </a:lnTo>
-                  <a:lnTo>
-                    <a:pt x="1973793" y="903506"/>
-                  </a:lnTo>
-                  <a:lnTo>
-                    <a:pt x="1930609" y="919342"/>
-                  </a:lnTo>
-                  <a:lnTo>
-                    <a:pt x="1896237" y="928201"/>
-                  </a:lnTo>
-                  <a:close/>
-                </a:path>
-              </a:pathLst>
-            </a:custGeom>
-            <a:solidFill>
-              <a:srgbClr val="000000"/>
-            </a:solidFill>
-          </p:spPr>
-          <p:txBody>
-            <a:bodyPr wrap="square" lIns="0" tIns="0" rIns="0" bIns="0" rtlCol="0"/>
-            <a:lstStyle/>
-            <a:p>
-              <a:endParaRPr/>
-            </a:p>
-          </p:txBody>
-        </p:sp>
-      </p:grpSp>
-      <p:sp>
-        <p:nvSpPr>
-          <p:cNvPr id="7" name="TextBox 6"/>
-          <p:cNvSpPr txBox="1"/>
-          <p:nvPr/>
-        </p:nvSpPr>
-        <p:spPr>
-          <a:xfrm>
-            <a:off x="13554908" y="331801"/>
-            <a:ext cx="3971092" cy="784830"/>
-          </a:xfrm>
-          <a:prstGeom prst="rect">
-            <a:avLst/>
-          </a:prstGeom>
-          <a:noFill/>
-        </p:spPr>
-        <p:txBody>
-          <a:bodyPr wrap="square" rtlCol="0">
-            <a:spAutoFit/>
-          </a:bodyPr>
-          <a:lstStyle/>
-          <a:p>
-            <a:pPr algn="ctr"/>
-            <a:r>
-              <a:rPr lang="en-US" altLang="ko-KR" sz="4500" dirty="0"/>
-              <a:t>User page </a:t>
-            </a:r>
-            <a:endParaRPr lang="ko-KR" altLang="en-US" sz="4500" dirty="0"/>
-          </a:p>
-        </p:txBody>
-      </p:sp>
+      </p:pic>
     </p:spTree>
     <p:extLst>
       <p:ext uri="{BB962C8B-B14F-4D97-AF65-F5344CB8AC3E}">
@@ -22953,7 +21376,7 @@
 </p:sld>
 </file>
 
-<file path=ppt/slides/slide25.xml><?xml version="1.0" encoding="utf-8"?>
+<file path=ppt/slides/slide23.xml><?xml version="1.0" encoding="utf-8"?>
 <p:sld xmlns:a="http://schemas.openxmlformats.org/drawingml/2006/main" xmlns:r="http://schemas.openxmlformats.org/officeDocument/2006/relationships" xmlns:p="http://schemas.openxmlformats.org/presentationml/2006/main">
   <p:cSld>
     <p:spTree>
@@ -24262,7 +22685,7 @@
 </p:sld>
 </file>
 
-<file path=ppt/slides/slide26.xml><?xml version="1.0" encoding="utf-8"?>
+<file path=ppt/slides/slide24.xml><?xml version="1.0" encoding="utf-8"?>
 <p:sld xmlns:a="http://schemas.openxmlformats.org/drawingml/2006/main" xmlns:r="http://schemas.openxmlformats.org/officeDocument/2006/relationships" xmlns:p="http://schemas.openxmlformats.org/presentationml/2006/main">
   <p:cSld>
     <p:spTree>
@@ -26995,7 +25418,7 @@
 </p:sld>
 </file>
 
-<file path=ppt/slides/slide27.xml><?xml version="1.0" encoding="utf-8"?>
+<file path=ppt/slides/slide25.xml><?xml version="1.0" encoding="utf-8"?>
 <p:sld xmlns:a="http://schemas.openxmlformats.org/drawingml/2006/main" xmlns:r="http://schemas.openxmlformats.org/officeDocument/2006/relationships" xmlns:p="http://schemas.openxmlformats.org/presentationml/2006/main">
   <p:cSld>
     <p:spTree>
